--- a/lhind-agilportal/Projektdateien/LHIND Agile Portal.pptx
+++ b/lhind-agilportal/Projektdateien/LHIND Agile Portal.pptx
@@ -8,6 +8,8 @@
     <p:sldId id="256" r:id="rId2"/>
     <p:sldId id="258" r:id="rId3"/>
     <p:sldId id="257" r:id="rId4"/>
+    <p:sldId id="260" r:id="rId5"/>
+    <p:sldId id="261" r:id="rId6"/>
   </p:sldIdLst>
   <p:sldSz cx="12192000" cy="6858000"/>
   <p:notesSz cx="6858000" cy="9144000"/>
@@ -245,7 +247,7 @@
           <a:p>
             <a:fld id="{9FD00F72-D6BC-4297-A743-D567BFEB5D2A}" type="datetimeFigureOut">
               <a:rPr lang="de-DE" smtClean="0"/>
-              <a:t>05.12.2018</a:t>
+              <a:t>07.12.2018</a:t>
             </a:fld>
             <a:endParaRPr lang="de-DE"/>
           </a:p>
@@ -415,7 +417,7 @@
           <a:p>
             <a:fld id="{9FD00F72-D6BC-4297-A743-D567BFEB5D2A}" type="datetimeFigureOut">
               <a:rPr lang="de-DE" smtClean="0"/>
-              <a:t>05.12.2018</a:t>
+              <a:t>07.12.2018</a:t>
             </a:fld>
             <a:endParaRPr lang="de-DE"/>
           </a:p>
@@ -595,7 +597,7 @@
           <a:p>
             <a:fld id="{9FD00F72-D6BC-4297-A743-D567BFEB5D2A}" type="datetimeFigureOut">
               <a:rPr lang="de-DE" smtClean="0"/>
-              <a:t>05.12.2018</a:t>
+              <a:t>07.12.2018</a:t>
             </a:fld>
             <a:endParaRPr lang="de-DE"/>
           </a:p>
@@ -765,7 +767,7 @@
           <a:p>
             <a:fld id="{9FD00F72-D6BC-4297-A743-D567BFEB5D2A}" type="datetimeFigureOut">
               <a:rPr lang="de-DE" smtClean="0"/>
-              <a:t>05.12.2018</a:t>
+              <a:t>07.12.2018</a:t>
             </a:fld>
             <a:endParaRPr lang="de-DE"/>
           </a:p>
@@ -1011,7 +1013,7 @@
           <a:p>
             <a:fld id="{9FD00F72-D6BC-4297-A743-D567BFEB5D2A}" type="datetimeFigureOut">
               <a:rPr lang="de-DE" smtClean="0"/>
-              <a:t>05.12.2018</a:t>
+              <a:t>07.12.2018</a:t>
             </a:fld>
             <a:endParaRPr lang="de-DE"/>
           </a:p>
@@ -1243,7 +1245,7 @@
           <a:p>
             <a:fld id="{9FD00F72-D6BC-4297-A743-D567BFEB5D2A}" type="datetimeFigureOut">
               <a:rPr lang="de-DE" smtClean="0"/>
-              <a:t>05.12.2018</a:t>
+              <a:t>07.12.2018</a:t>
             </a:fld>
             <a:endParaRPr lang="de-DE"/>
           </a:p>
@@ -1610,7 +1612,7 @@
           <a:p>
             <a:fld id="{9FD00F72-D6BC-4297-A743-D567BFEB5D2A}" type="datetimeFigureOut">
               <a:rPr lang="de-DE" smtClean="0"/>
-              <a:t>05.12.2018</a:t>
+              <a:t>07.12.2018</a:t>
             </a:fld>
             <a:endParaRPr lang="de-DE"/>
           </a:p>
@@ -1728,7 +1730,7 @@
           <a:p>
             <a:fld id="{9FD00F72-D6BC-4297-A743-D567BFEB5D2A}" type="datetimeFigureOut">
               <a:rPr lang="de-DE" smtClean="0"/>
-              <a:t>05.12.2018</a:t>
+              <a:t>07.12.2018</a:t>
             </a:fld>
             <a:endParaRPr lang="de-DE"/>
           </a:p>
@@ -1823,7 +1825,7 @@
           <a:p>
             <a:fld id="{9FD00F72-D6BC-4297-A743-D567BFEB5D2A}" type="datetimeFigureOut">
               <a:rPr lang="de-DE" smtClean="0"/>
-              <a:t>05.12.2018</a:t>
+              <a:t>07.12.2018</a:t>
             </a:fld>
             <a:endParaRPr lang="de-DE"/>
           </a:p>
@@ -2100,7 +2102,7 @@
           <a:p>
             <a:fld id="{9FD00F72-D6BC-4297-A743-D567BFEB5D2A}" type="datetimeFigureOut">
               <a:rPr lang="de-DE" smtClean="0"/>
-              <a:t>05.12.2018</a:t>
+              <a:t>07.12.2018</a:t>
             </a:fld>
             <a:endParaRPr lang="de-DE"/>
           </a:p>
@@ -2353,7 +2355,7 @@
           <a:p>
             <a:fld id="{9FD00F72-D6BC-4297-A743-D567BFEB5D2A}" type="datetimeFigureOut">
               <a:rPr lang="de-DE" smtClean="0"/>
-              <a:t>05.12.2018</a:t>
+              <a:t>07.12.2018</a:t>
             </a:fld>
             <a:endParaRPr lang="de-DE"/>
           </a:p>
@@ -2566,7 +2568,7 @@
           <a:p>
             <a:fld id="{9FD00F72-D6BC-4297-A743-D567BFEB5D2A}" type="datetimeFigureOut">
               <a:rPr lang="de-DE" smtClean="0"/>
-              <a:t>05.12.2018</a:t>
+              <a:t>07.12.2018</a:t>
             </a:fld>
             <a:endParaRPr lang="de-DE"/>
           </a:p>
@@ -3239,7 +3241,7 @@
         </p:nvSpPr>
         <p:spPr>
           <a:xfrm>
-            <a:off x="4712677" y="1690688"/>
+            <a:off x="1028700" y="1690688"/>
             <a:ext cx="3059723" cy="703385"/>
           </a:xfrm>
           <a:prstGeom prst="rect">
@@ -3286,7 +3288,7 @@
         </p:nvSpPr>
         <p:spPr>
           <a:xfrm rot="5400000">
-            <a:off x="5037992" y="2756878"/>
+            <a:off x="1239715" y="2651371"/>
             <a:ext cx="272562" cy="246184"/>
           </a:xfrm>
           <a:prstGeom prst="triangle">
@@ -3329,8 +3331,8 @@
         </p:nvSpPr>
         <p:spPr>
           <a:xfrm>
-            <a:off x="5495192" y="2743689"/>
-            <a:ext cx="1907931" cy="272562"/>
+            <a:off x="1696915" y="2638182"/>
+            <a:ext cx="2154116" cy="272562"/>
           </a:xfrm>
           <a:prstGeom prst="rect">
             <a:avLst/>
@@ -3372,10 +3374,3213 @@
           </a:p>
         </p:txBody>
       </p:sp>
+      <p:sp>
+        <p:nvSpPr>
+          <p:cNvPr id="7" name="Gleichschenkliges Dreieck 6"/>
+          <p:cNvSpPr/>
+          <p:nvPr/>
+        </p:nvSpPr>
+        <p:spPr>
+          <a:xfrm rot="5400000">
+            <a:off x="1239715" y="3137268"/>
+            <a:ext cx="272562" cy="246184"/>
+          </a:xfrm>
+          <a:prstGeom prst="triangle">
+            <a:avLst/>
+          </a:prstGeom>
+          <a:solidFill>
+            <a:srgbClr val="05164C"/>
+          </a:solidFill>
+        </p:spPr>
+        <p:style>
+          <a:lnRef idx="2">
+            <a:schemeClr val="accent1">
+              <a:shade val="50000"/>
+            </a:schemeClr>
+          </a:lnRef>
+          <a:fillRef idx="1">
+            <a:schemeClr val="accent1"/>
+          </a:fillRef>
+          <a:effectRef idx="0">
+            <a:schemeClr val="accent1"/>
+          </a:effectRef>
+          <a:fontRef idx="minor">
+            <a:schemeClr val="lt1"/>
+          </a:fontRef>
+        </p:style>
+        <p:txBody>
+          <a:bodyPr rtlCol="0" anchor="ctr"/>
+          <a:lstStyle/>
+          <a:p>
+            <a:pPr algn="ctr"/>
+            <a:endParaRPr lang="de-DE"/>
+          </a:p>
+        </p:txBody>
+      </p:sp>
+      <p:sp>
+        <p:nvSpPr>
+          <p:cNvPr id="8" name="Rechteck 7"/>
+          <p:cNvSpPr/>
+          <p:nvPr/>
+        </p:nvSpPr>
+        <p:spPr>
+          <a:xfrm>
+            <a:off x="1696915" y="3124079"/>
+            <a:ext cx="2154116" cy="272562"/>
+          </a:xfrm>
+          <a:prstGeom prst="rect">
+            <a:avLst/>
+          </a:prstGeom>
+          <a:ln>
+            <a:solidFill>
+              <a:srgbClr val="05164C"/>
+            </a:solidFill>
+          </a:ln>
+        </p:spPr>
+        <p:style>
+          <a:lnRef idx="2">
+            <a:schemeClr val="accent1"/>
+          </a:lnRef>
+          <a:fillRef idx="1">
+            <a:schemeClr val="lt1"/>
+          </a:fillRef>
+          <a:effectRef idx="0">
+            <a:schemeClr val="accent1"/>
+          </a:effectRef>
+          <a:fontRef idx="minor">
+            <a:schemeClr val="dk1"/>
+          </a:fontRef>
+        </p:style>
+        <p:txBody>
+          <a:bodyPr rtlCol="0" anchor="ctr"/>
+          <a:lstStyle/>
+          <a:p>
+            <a:pPr algn="ctr"/>
+            <a:r>
+              <a:rPr lang="de-DE" dirty="0" smtClean="0"/>
+              <a:t>Sprint Review</a:t>
+            </a:r>
+          </a:p>
+        </p:txBody>
+      </p:sp>
+      <p:sp>
+        <p:nvSpPr>
+          <p:cNvPr id="9" name="Gleichschenkliges Dreieck 8"/>
+          <p:cNvSpPr/>
+          <p:nvPr/>
+        </p:nvSpPr>
+        <p:spPr>
+          <a:xfrm rot="5400000">
+            <a:off x="1239715" y="3623165"/>
+            <a:ext cx="272562" cy="246184"/>
+          </a:xfrm>
+          <a:prstGeom prst="triangle">
+            <a:avLst/>
+          </a:prstGeom>
+          <a:solidFill>
+            <a:srgbClr val="05164C"/>
+          </a:solidFill>
+        </p:spPr>
+        <p:style>
+          <a:lnRef idx="2">
+            <a:schemeClr val="accent1">
+              <a:shade val="50000"/>
+            </a:schemeClr>
+          </a:lnRef>
+          <a:fillRef idx="1">
+            <a:schemeClr val="accent1"/>
+          </a:fillRef>
+          <a:effectRef idx="0">
+            <a:schemeClr val="accent1"/>
+          </a:effectRef>
+          <a:fontRef idx="minor">
+            <a:schemeClr val="lt1"/>
+          </a:fontRef>
+        </p:style>
+        <p:txBody>
+          <a:bodyPr rtlCol="0" anchor="ctr"/>
+          <a:lstStyle/>
+          <a:p>
+            <a:pPr algn="ctr"/>
+            <a:endParaRPr lang="de-DE"/>
+          </a:p>
+        </p:txBody>
+      </p:sp>
+      <p:sp>
+        <p:nvSpPr>
+          <p:cNvPr id="10" name="Rechteck 9"/>
+          <p:cNvSpPr/>
+          <p:nvPr/>
+        </p:nvSpPr>
+        <p:spPr>
+          <a:xfrm>
+            <a:off x="1696915" y="3609976"/>
+            <a:ext cx="2154116" cy="272562"/>
+          </a:xfrm>
+          <a:prstGeom prst="rect">
+            <a:avLst/>
+          </a:prstGeom>
+          <a:ln>
+            <a:solidFill>
+              <a:srgbClr val="05164C"/>
+            </a:solidFill>
+          </a:ln>
+        </p:spPr>
+        <p:style>
+          <a:lnRef idx="2">
+            <a:schemeClr val="accent1"/>
+          </a:lnRef>
+          <a:fillRef idx="1">
+            <a:schemeClr val="lt1"/>
+          </a:fillRef>
+          <a:effectRef idx="0">
+            <a:schemeClr val="accent1"/>
+          </a:effectRef>
+          <a:fontRef idx="minor">
+            <a:schemeClr val="dk1"/>
+          </a:fontRef>
+        </p:style>
+        <p:txBody>
+          <a:bodyPr rtlCol="0" anchor="ctr"/>
+          <a:lstStyle/>
+          <a:p>
+            <a:pPr algn="ctr"/>
+            <a:r>
+              <a:rPr lang="de-DE" dirty="0" smtClean="0"/>
+              <a:t>Sprint Retrospektive</a:t>
+            </a:r>
+          </a:p>
+        </p:txBody>
+      </p:sp>
+      <p:sp>
+        <p:nvSpPr>
+          <p:cNvPr id="11" name="Gleichschenkliges Dreieck 10"/>
+          <p:cNvSpPr/>
+          <p:nvPr/>
+        </p:nvSpPr>
+        <p:spPr>
+          <a:xfrm rot="5400000">
+            <a:off x="1239715" y="4109062"/>
+            <a:ext cx="272562" cy="246184"/>
+          </a:xfrm>
+          <a:prstGeom prst="triangle">
+            <a:avLst/>
+          </a:prstGeom>
+          <a:solidFill>
+            <a:srgbClr val="05164C"/>
+          </a:solidFill>
+        </p:spPr>
+        <p:style>
+          <a:lnRef idx="2">
+            <a:schemeClr val="accent1">
+              <a:shade val="50000"/>
+            </a:schemeClr>
+          </a:lnRef>
+          <a:fillRef idx="1">
+            <a:schemeClr val="accent1"/>
+          </a:fillRef>
+          <a:effectRef idx="0">
+            <a:schemeClr val="accent1"/>
+          </a:effectRef>
+          <a:fontRef idx="minor">
+            <a:schemeClr val="lt1"/>
+          </a:fontRef>
+        </p:style>
+        <p:txBody>
+          <a:bodyPr rtlCol="0" anchor="ctr"/>
+          <a:lstStyle/>
+          <a:p>
+            <a:pPr algn="ctr"/>
+            <a:endParaRPr lang="de-DE"/>
+          </a:p>
+        </p:txBody>
+      </p:sp>
+      <p:sp>
+        <p:nvSpPr>
+          <p:cNvPr id="12" name="Rechteck 11"/>
+          <p:cNvSpPr/>
+          <p:nvPr/>
+        </p:nvSpPr>
+        <p:spPr>
+          <a:xfrm>
+            <a:off x="1696915" y="4095873"/>
+            <a:ext cx="2154116" cy="272562"/>
+          </a:xfrm>
+          <a:prstGeom prst="rect">
+            <a:avLst/>
+          </a:prstGeom>
+          <a:ln>
+            <a:solidFill>
+              <a:srgbClr val="05164C"/>
+            </a:solidFill>
+          </a:ln>
+        </p:spPr>
+        <p:style>
+          <a:lnRef idx="2">
+            <a:schemeClr val="accent1"/>
+          </a:lnRef>
+          <a:fillRef idx="1">
+            <a:schemeClr val="lt1"/>
+          </a:fillRef>
+          <a:effectRef idx="0">
+            <a:schemeClr val="accent1"/>
+          </a:effectRef>
+          <a:fontRef idx="minor">
+            <a:schemeClr val="dk1"/>
+          </a:fontRef>
+        </p:style>
+        <p:txBody>
+          <a:bodyPr rtlCol="0" anchor="ctr"/>
+          <a:lstStyle/>
+          <a:p>
+            <a:pPr algn="ctr"/>
+            <a:r>
+              <a:rPr lang="de-DE" dirty="0" err="1" smtClean="0"/>
+              <a:t>Planning</a:t>
+            </a:r>
+            <a:r>
+              <a:rPr lang="de-DE" dirty="0" smtClean="0"/>
+              <a:t> Poker</a:t>
+            </a:r>
+          </a:p>
+        </p:txBody>
+      </p:sp>
     </p:spTree>
     <p:extLst>
       <p:ext uri="{BB962C8B-B14F-4D97-AF65-F5344CB8AC3E}">
         <p14:creationId xmlns:p14="http://schemas.microsoft.com/office/powerpoint/2010/main" val="1078853931"/>
+      </p:ext>
+    </p:extLst>
+  </p:cSld>
+  <p:clrMapOvr>
+    <a:masterClrMapping/>
+  </p:clrMapOvr>
+</p:sld>
+</file>
+
+<file path=ppt/slides/slide4.xml><?xml version="1.0" encoding="utf-8"?>
+<p:sld xmlns:a="http://schemas.openxmlformats.org/drawingml/2006/main" xmlns:r="http://schemas.openxmlformats.org/officeDocument/2006/relationships" xmlns:p="http://schemas.openxmlformats.org/presentationml/2006/main">
+  <p:cSld>
+    <p:spTree>
+      <p:nvGrpSpPr>
+        <p:cNvPr id="1" name=""/>
+        <p:cNvGrpSpPr/>
+        <p:nvPr/>
+      </p:nvGrpSpPr>
+      <p:grpSpPr>
+        <a:xfrm>
+          <a:off x="0" y="0"/>
+          <a:ext cx="0" cy="0"/>
+          <a:chOff x="0" y="0"/>
+          <a:chExt cx="0" cy="0"/>
+        </a:xfrm>
+      </p:grpSpPr>
+      <p:sp>
+        <p:nvSpPr>
+          <p:cNvPr id="3" name="Ellipse 2"/>
+          <p:cNvSpPr/>
+          <p:nvPr/>
+        </p:nvSpPr>
+        <p:spPr>
+          <a:xfrm>
+            <a:off x="2140925" y="3719636"/>
+            <a:ext cx="1028700" cy="1019907"/>
+          </a:xfrm>
+          <a:prstGeom prst="ellipse">
+            <a:avLst/>
+          </a:prstGeom>
+          <a:ln>
+            <a:solidFill>
+              <a:srgbClr val="05164C"/>
+            </a:solidFill>
+          </a:ln>
+        </p:spPr>
+        <p:style>
+          <a:lnRef idx="2">
+            <a:schemeClr val="accent1"/>
+          </a:lnRef>
+          <a:fillRef idx="1">
+            <a:schemeClr val="lt1"/>
+          </a:fillRef>
+          <a:effectRef idx="0">
+            <a:schemeClr val="accent1"/>
+          </a:effectRef>
+          <a:fontRef idx="minor">
+            <a:schemeClr val="dk1"/>
+          </a:fontRef>
+        </p:style>
+        <p:txBody>
+          <a:bodyPr rtlCol="0" anchor="ctr"/>
+          <a:lstStyle/>
+          <a:p>
+            <a:pPr algn="ctr"/>
+            <a:endParaRPr lang="de-DE"/>
+          </a:p>
+        </p:txBody>
+      </p:sp>
+      <p:sp>
+        <p:nvSpPr>
+          <p:cNvPr id="2" name="Titel 1"/>
+          <p:cNvSpPr>
+            <a:spLocks noGrp="1"/>
+          </p:cNvSpPr>
+          <p:nvPr>
+            <p:ph type="title"/>
+          </p:nvPr>
+        </p:nvSpPr>
+        <p:spPr/>
+        <p:txBody>
+          <a:bodyPr/>
+          <a:lstStyle/>
+          <a:p>
+            <a:r>
+              <a:rPr lang="de-DE" dirty="0" err="1" smtClean="0"/>
+              <a:t>Mockup</a:t>
+            </a:r>
+            <a:r>
+              <a:rPr lang="de-DE" dirty="0" smtClean="0"/>
+              <a:t> mobile </a:t>
+            </a:r>
+            <a:r>
+              <a:rPr lang="de-DE" dirty="0" err="1" smtClean="0"/>
+              <a:t>version</a:t>
+            </a:r>
+            <a:r>
+              <a:rPr lang="de-DE" dirty="0" smtClean="0"/>
+              <a:t>: Daily Stand </a:t>
+            </a:r>
+            <a:r>
+              <a:rPr lang="de-DE" dirty="0" err="1" smtClean="0"/>
+              <a:t>Up</a:t>
+            </a:r>
+            <a:endParaRPr lang="de-DE" dirty="0"/>
+          </a:p>
+        </p:txBody>
+      </p:sp>
+      <p:sp>
+        <p:nvSpPr>
+          <p:cNvPr id="4" name="Rechteck 3"/>
+          <p:cNvSpPr/>
+          <p:nvPr/>
+        </p:nvSpPr>
+        <p:spPr>
+          <a:xfrm>
+            <a:off x="1028700" y="1690688"/>
+            <a:ext cx="3059723" cy="703385"/>
+          </a:xfrm>
+          <a:prstGeom prst="rect">
+            <a:avLst/>
+          </a:prstGeom>
+          <a:solidFill>
+            <a:srgbClr val="05164C"/>
+          </a:solidFill>
+        </p:spPr>
+        <p:style>
+          <a:lnRef idx="2">
+            <a:schemeClr val="accent1">
+              <a:shade val="50000"/>
+            </a:schemeClr>
+          </a:lnRef>
+          <a:fillRef idx="1">
+            <a:schemeClr val="accent1"/>
+          </a:fillRef>
+          <a:effectRef idx="0">
+            <a:schemeClr val="accent1"/>
+          </a:effectRef>
+          <a:fontRef idx="minor">
+            <a:schemeClr val="lt1"/>
+          </a:fontRef>
+        </p:style>
+        <p:txBody>
+          <a:bodyPr rtlCol="0" anchor="ctr"/>
+          <a:lstStyle/>
+          <a:p>
+            <a:pPr algn="ctr"/>
+            <a:r>
+              <a:rPr lang="de-DE" dirty="0" smtClean="0"/>
+              <a:t>Daily Stand </a:t>
+            </a:r>
+            <a:r>
+              <a:rPr lang="de-DE" dirty="0" err="1" smtClean="0"/>
+              <a:t>Up</a:t>
+            </a:r>
+            <a:endParaRPr lang="de-DE" dirty="0"/>
+          </a:p>
+        </p:txBody>
+      </p:sp>
+      <p:sp>
+        <p:nvSpPr>
+          <p:cNvPr id="5" name="Gleichschenkliges Dreieck 4"/>
+          <p:cNvSpPr/>
+          <p:nvPr/>
+        </p:nvSpPr>
+        <p:spPr>
+          <a:xfrm rot="5400000">
+            <a:off x="2396148" y="3910870"/>
+            <a:ext cx="729272" cy="637442"/>
+          </a:xfrm>
+          <a:prstGeom prst="triangle">
+            <a:avLst/>
+          </a:prstGeom>
+          <a:solidFill>
+            <a:srgbClr val="05164C"/>
+          </a:solidFill>
+        </p:spPr>
+        <p:style>
+          <a:lnRef idx="2">
+            <a:schemeClr val="accent1">
+              <a:shade val="50000"/>
+            </a:schemeClr>
+          </a:lnRef>
+          <a:fillRef idx="1">
+            <a:schemeClr val="accent1"/>
+          </a:fillRef>
+          <a:effectRef idx="0">
+            <a:schemeClr val="accent1"/>
+          </a:effectRef>
+          <a:fontRef idx="minor">
+            <a:schemeClr val="lt1"/>
+          </a:fontRef>
+        </p:style>
+        <p:txBody>
+          <a:bodyPr rtlCol="0" anchor="ctr"/>
+          <a:lstStyle/>
+          <a:p>
+            <a:pPr algn="ctr"/>
+            <a:endParaRPr lang="de-DE"/>
+          </a:p>
+        </p:txBody>
+      </p:sp>
+      <p:sp>
+        <p:nvSpPr>
+          <p:cNvPr id="13" name="Rechteck 12"/>
+          <p:cNvSpPr/>
+          <p:nvPr/>
+        </p:nvSpPr>
+        <p:spPr>
+          <a:xfrm>
+            <a:off x="3015761" y="2900854"/>
+            <a:ext cx="835268" cy="272562"/>
+          </a:xfrm>
+          <a:prstGeom prst="rect">
+            <a:avLst/>
+          </a:prstGeom>
+          <a:ln>
+            <a:solidFill>
+              <a:srgbClr val="05164C"/>
+            </a:solidFill>
+          </a:ln>
+        </p:spPr>
+        <p:style>
+          <a:lnRef idx="2">
+            <a:schemeClr val="accent1"/>
+          </a:lnRef>
+          <a:fillRef idx="1">
+            <a:schemeClr val="lt1"/>
+          </a:fillRef>
+          <a:effectRef idx="0">
+            <a:schemeClr val="accent1"/>
+          </a:effectRef>
+          <a:fontRef idx="minor">
+            <a:schemeClr val="dk1"/>
+          </a:fontRef>
+        </p:style>
+        <p:txBody>
+          <a:bodyPr rtlCol="0" anchor="ctr"/>
+          <a:lstStyle/>
+          <a:p>
+            <a:pPr algn="ctr"/>
+            <a:r>
+              <a:rPr lang="de-DE" dirty="0" smtClean="0"/>
+              <a:t>XX</a:t>
+            </a:r>
+          </a:p>
+        </p:txBody>
+      </p:sp>
+      <p:sp>
+        <p:nvSpPr>
+          <p:cNvPr id="14" name="Rechteck 13"/>
+          <p:cNvSpPr/>
+          <p:nvPr/>
+        </p:nvSpPr>
+        <p:spPr>
+          <a:xfrm>
+            <a:off x="1270486" y="2900854"/>
+            <a:ext cx="1630973" cy="272562"/>
+          </a:xfrm>
+          <a:prstGeom prst="rect">
+            <a:avLst/>
+          </a:prstGeom>
+          <a:ln>
+            <a:noFill/>
+          </a:ln>
+        </p:spPr>
+        <p:style>
+          <a:lnRef idx="2">
+            <a:schemeClr val="accent1"/>
+          </a:lnRef>
+          <a:fillRef idx="1">
+            <a:schemeClr val="lt1"/>
+          </a:fillRef>
+          <a:effectRef idx="0">
+            <a:schemeClr val="accent1"/>
+          </a:effectRef>
+          <a:fontRef idx="minor">
+            <a:schemeClr val="dk1"/>
+          </a:fontRef>
+        </p:style>
+        <p:txBody>
+          <a:bodyPr rtlCol="0" anchor="ctr"/>
+          <a:lstStyle/>
+          <a:p>
+            <a:pPr algn="ctr"/>
+            <a:r>
+              <a:rPr lang="de-DE" sz="1400" dirty="0" smtClean="0"/>
+              <a:t>Teilnehmeranzahl:</a:t>
+            </a:r>
+          </a:p>
+        </p:txBody>
+      </p:sp>
+      <p:sp>
+        <p:nvSpPr>
+          <p:cNvPr id="16" name="Rechteck 15"/>
+          <p:cNvSpPr/>
+          <p:nvPr/>
+        </p:nvSpPr>
+        <p:spPr>
+          <a:xfrm>
+            <a:off x="6702670" y="1690688"/>
+            <a:ext cx="3059723" cy="703385"/>
+          </a:xfrm>
+          <a:prstGeom prst="rect">
+            <a:avLst/>
+          </a:prstGeom>
+          <a:solidFill>
+            <a:srgbClr val="05164C"/>
+          </a:solidFill>
+        </p:spPr>
+        <p:style>
+          <a:lnRef idx="2">
+            <a:schemeClr val="accent1">
+              <a:shade val="50000"/>
+            </a:schemeClr>
+          </a:lnRef>
+          <a:fillRef idx="1">
+            <a:schemeClr val="accent1"/>
+          </a:fillRef>
+          <a:effectRef idx="0">
+            <a:schemeClr val="accent1"/>
+          </a:effectRef>
+          <a:fontRef idx="minor">
+            <a:schemeClr val="lt1"/>
+          </a:fontRef>
+        </p:style>
+        <p:txBody>
+          <a:bodyPr rtlCol="0" anchor="ctr"/>
+          <a:lstStyle/>
+          <a:p>
+            <a:pPr algn="ctr"/>
+            <a:r>
+              <a:rPr lang="de-DE" dirty="0" smtClean="0"/>
+              <a:t>Daily Stand </a:t>
+            </a:r>
+            <a:r>
+              <a:rPr lang="de-DE" dirty="0" err="1" smtClean="0"/>
+              <a:t>Up</a:t>
+            </a:r>
+            <a:endParaRPr lang="de-DE" dirty="0"/>
+          </a:p>
+        </p:txBody>
+      </p:sp>
+      <p:sp>
+        <p:nvSpPr>
+          <p:cNvPr id="18" name="Rechteck 17"/>
+          <p:cNvSpPr/>
+          <p:nvPr/>
+        </p:nvSpPr>
+        <p:spPr>
+          <a:xfrm>
+            <a:off x="8230332" y="2703604"/>
+            <a:ext cx="835268" cy="272562"/>
+          </a:xfrm>
+          <a:prstGeom prst="rect">
+            <a:avLst/>
+          </a:prstGeom>
+          <a:ln>
+            <a:solidFill>
+              <a:srgbClr val="05164C"/>
+            </a:solidFill>
+          </a:ln>
+        </p:spPr>
+        <p:style>
+          <a:lnRef idx="2">
+            <a:schemeClr val="accent1"/>
+          </a:lnRef>
+          <a:fillRef idx="1">
+            <a:schemeClr val="lt1"/>
+          </a:fillRef>
+          <a:effectRef idx="0">
+            <a:schemeClr val="accent1"/>
+          </a:effectRef>
+          <a:fontRef idx="minor">
+            <a:schemeClr val="dk1"/>
+          </a:fontRef>
+        </p:style>
+        <p:txBody>
+          <a:bodyPr rtlCol="0" anchor="ctr"/>
+          <a:lstStyle/>
+          <a:p>
+            <a:pPr algn="ctr"/>
+            <a:r>
+              <a:rPr lang="de-DE" dirty="0"/>
+              <a:t>Y</a:t>
+            </a:r>
+            <a:r>
+              <a:rPr lang="de-DE" dirty="0" smtClean="0"/>
+              <a:t>/X</a:t>
+            </a:r>
+          </a:p>
+        </p:txBody>
+      </p:sp>
+      <p:sp>
+        <p:nvSpPr>
+          <p:cNvPr id="19" name="Rechteck 18"/>
+          <p:cNvSpPr/>
+          <p:nvPr/>
+        </p:nvSpPr>
+        <p:spPr>
+          <a:xfrm>
+            <a:off x="6935666" y="2711633"/>
+            <a:ext cx="1082920" cy="272562"/>
+          </a:xfrm>
+          <a:prstGeom prst="rect">
+            <a:avLst/>
+          </a:prstGeom>
+          <a:ln>
+            <a:noFill/>
+          </a:ln>
+        </p:spPr>
+        <p:style>
+          <a:lnRef idx="2">
+            <a:schemeClr val="accent1"/>
+          </a:lnRef>
+          <a:fillRef idx="1">
+            <a:schemeClr val="lt1"/>
+          </a:fillRef>
+          <a:effectRef idx="0">
+            <a:schemeClr val="accent1"/>
+          </a:effectRef>
+          <a:fontRef idx="minor">
+            <a:schemeClr val="dk1"/>
+          </a:fontRef>
+        </p:style>
+        <p:txBody>
+          <a:bodyPr rtlCol="0" anchor="ctr"/>
+          <a:lstStyle/>
+          <a:p>
+            <a:pPr algn="ctr"/>
+            <a:r>
+              <a:rPr lang="de-DE" sz="1400" dirty="0" smtClean="0"/>
+              <a:t>Teilnehmer:</a:t>
+            </a:r>
+          </a:p>
+        </p:txBody>
+      </p:sp>
+      <p:sp>
+        <p:nvSpPr>
+          <p:cNvPr id="20" name="Nach unten gekrümmter Pfeil 19"/>
+          <p:cNvSpPr/>
+          <p:nvPr/>
+        </p:nvSpPr>
+        <p:spPr>
+          <a:xfrm>
+            <a:off x="3169625" y="2711633"/>
+            <a:ext cx="527539" cy="163451"/>
+          </a:xfrm>
+          <a:prstGeom prst="curvedDownArrow">
+            <a:avLst/>
+          </a:prstGeom>
+          <a:ln>
+            <a:solidFill>
+              <a:srgbClr val="05164C"/>
+            </a:solidFill>
+          </a:ln>
+        </p:spPr>
+        <p:style>
+          <a:lnRef idx="2">
+            <a:schemeClr val="accent1">
+              <a:shade val="50000"/>
+            </a:schemeClr>
+          </a:lnRef>
+          <a:fillRef idx="1">
+            <a:schemeClr val="accent1"/>
+          </a:fillRef>
+          <a:effectRef idx="0">
+            <a:schemeClr val="accent1"/>
+          </a:effectRef>
+          <a:fontRef idx="minor">
+            <a:schemeClr val="lt1"/>
+          </a:fontRef>
+        </p:style>
+        <p:txBody>
+          <a:bodyPr rtlCol="0" anchor="ctr"/>
+          <a:lstStyle/>
+          <a:p>
+            <a:pPr algn="ctr"/>
+            <a:endParaRPr lang="de-DE">
+              <a:solidFill>
+                <a:schemeClr val="tx1"/>
+              </a:solidFill>
+            </a:endParaRPr>
+          </a:p>
+        </p:txBody>
+      </p:sp>
+      <p:sp>
+        <p:nvSpPr>
+          <p:cNvPr id="21" name="Nach unten gekrümmter Pfeil 20"/>
+          <p:cNvSpPr/>
+          <p:nvPr/>
+        </p:nvSpPr>
+        <p:spPr>
+          <a:xfrm rot="10952709">
+            <a:off x="3154239" y="3210817"/>
+            <a:ext cx="527539" cy="163451"/>
+          </a:xfrm>
+          <a:prstGeom prst="curvedDownArrow">
+            <a:avLst/>
+          </a:prstGeom>
+          <a:ln>
+            <a:solidFill>
+              <a:srgbClr val="05164C"/>
+            </a:solidFill>
+          </a:ln>
+        </p:spPr>
+        <p:style>
+          <a:lnRef idx="2">
+            <a:schemeClr val="accent1">
+              <a:shade val="50000"/>
+            </a:schemeClr>
+          </a:lnRef>
+          <a:fillRef idx="1">
+            <a:schemeClr val="accent1"/>
+          </a:fillRef>
+          <a:effectRef idx="0">
+            <a:schemeClr val="accent1"/>
+          </a:effectRef>
+          <a:fontRef idx="minor">
+            <a:schemeClr val="lt1"/>
+          </a:fontRef>
+        </p:style>
+        <p:txBody>
+          <a:bodyPr rtlCol="0" anchor="ctr"/>
+          <a:lstStyle/>
+          <a:p>
+            <a:pPr algn="ctr"/>
+            <a:endParaRPr lang="de-DE">
+              <a:solidFill>
+                <a:schemeClr val="tx1"/>
+              </a:solidFill>
+            </a:endParaRPr>
+          </a:p>
+        </p:txBody>
+      </p:sp>
+      <p:sp>
+        <p:nvSpPr>
+          <p:cNvPr id="22" name="Rad 21"/>
+          <p:cNvSpPr/>
+          <p:nvPr/>
+        </p:nvSpPr>
+        <p:spPr>
+          <a:xfrm>
+            <a:off x="6816968" y="3240699"/>
+            <a:ext cx="2826728" cy="2711693"/>
+          </a:xfrm>
+          <a:prstGeom prst="donut">
+            <a:avLst>
+              <a:gd name="adj" fmla="val 8592"/>
+            </a:avLst>
+          </a:prstGeom>
+          <a:solidFill>
+            <a:schemeClr val="bg1"/>
+          </a:solidFill>
+          <a:ln>
+            <a:solidFill>
+              <a:srgbClr val="05164C"/>
+            </a:solidFill>
+          </a:ln>
+        </p:spPr>
+        <p:style>
+          <a:lnRef idx="2">
+            <a:schemeClr val="accent1">
+              <a:shade val="50000"/>
+            </a:schemeClr>
+          </a:lnRef>
+          <a:fillRef idx="1">
+            <a:schemeClr val="accent1"/>
+          </a:fillRef>
+          <a:effectRef idx="0">
+            <a:schemeClr val="accent1"/>
+          </a:effectRef>
+          <a:fontRef idx="minor">
+            <a:schemeClr val="lt1"/>
+          </a:fontRef>
+        </p:style>
+        <p:txBody>
+          <a:bodyPr rtlCol="0" anchor="ctr"/>
+          <a:lstStyle/>
+          <a:p>
+            <a:pPr algn="ctr"/>
+            <a:endParaRPr lang="de-DE">
+              <a:solidFill>
+                <a:schemeClr val="tx1"/>
+              </a:solidFill>
+            </a:endParaRPr>
+          </a:p>
+        </p:txBody>
+      </p:sp>
+      <p:sp>
+        <p:nvSpPr>
+          <p:cNvPr id="23" name="Pfeil nach rechts 22"/>
+          <p:cNvSpPr/>
+          <p:nvPr/>
+        </p:nvSpPr>
+        <p:spPr>
+          <a:xfrm>
+            <a:off x="9161585" y="2725982"/>
+            <a:ext cx="363415" cy="182808"/>
+          </a:xfrm>
+          <a:prstGeom prst="rightArrow">
+            <a:avLst/>
+          </a:prstGeom>
+          <a:solidFill>
+            <a:srgbClr val="05164C"/>
+          </a:solidFill>
+          <a:ln>
+            <a:solidFill>
+              <a:srgbClr val="05164C"/>
+            </a:solidFill>
+          </a:ln>
+        </p:spPr>
+        <p:style>
+          <a:lnRef idx="2">
+            <a:schemeClr val="accent1">
+              <a:shade val="50000"/>
+            </a:schemeClr>
+          </a:lnRef>
+          <a:fillRef idx="1">
+            <a:schemeClr val="accent1"/>
+          </a:fillRef>
+          <a:effectRef idx="0">
+            <a:schemeClr val="accent1"/>
+          </a:effectRef>
+          <a:fontRef idx="minor">
+            <a:schemeClr val="lt1"/>
+          </a:fontRef>
+        </p:style>
+        <p:txBody>
+          <a:bodyPr rtlCol="0" anchor="ctr"/>
+          <a:lstStyle/>
+          <a:p>
+            <a:pPr algn="ctr"/>
+            <a:endParaRPr lang="de-DE"/>
+          </a:p>
+        </p:txBody>
+      </p:sp>
+      <p:sp>
+        <p:nvSpPr>
+          <p:cNvPr id="25" name="Textfeld 24"/>
+          <p:cNvSpPr txBox="1"/>
+          <p:nvPr/>
+        </p:nvSpPr>
+        <p:spPr>
+          <a:xfrm>
+            <a:off x="7297615" y="3864955"/>
+            <a:ext cx="1863970" cy="1200329"/>
+          </a:xfrm>
+          <a:prstGeom prst="rect">
+            <a:avLst/>
+          </a:prstGeom>
+          <a:noFill/>
+        </p:spPr>
+        <p:txBody>
+          <a:bodyPr wrap="square" rtlCol="0">
+            <a:spAutoFit/>
+          </a:bodyPr>
+          <a:lstStyle/>
+          <a:p>
+            <a:pPr algn="ctr"/>
+            <a:r>
+              <a:rPr lang="de-DE" sz="2400" dirty="0" err="1" smtClean="0">
+                <a:effectLst>
+                  <a:outerShdw blurRad="38100" dist="38100" dir="2700000" algn="tl">
+                    <a:srgbClr val="000000">
+                      <a:alpha val="43137"/>
+                    </a:srgbClr>
+                  </a:outerShdw>
+                </a:effectLst>
+              </a:rPr>
+              <a:t>What</a:t>
+            </a:r>
+            <a:r>
+              <a:rPr lang="de-DE" sz="2400" dirty="0" smtClean="0">
+                <a:effectLst>
+                  <a:outerShdw blurRad="38100" dist="38100" dir="2700000" algn="tl">
+                    <a:srgbClr val="000000">
+                      <a:alpha val="43137"/>
+                    </a:srgbClr>
+                  </a:outerShdw>
+                </a:effectLst>
+              </a:rPr>
+              <a:t> </a:t>
+            </a:r>
+            <a:r>
+              <a:rPr lang="de-DE" sz="2400" dirty="0" err="1" smtClean="0">
+                <a:effectLst>
+                  <a:outerShdw blurRad="38100" dist="38100" dir="2700000" algn="tl">
+                    <a:srgbClr val="000000">
+                      <a:alpha val="43137"/>
+                    </a:srgbClr>
+                  </a:outerShdw>
+                </a:effectLst>
+              </a:rPr>
+              <a:t>have</a:t>
+            </a:r>
+            <a:r>
+              <a:rPr lang="de-DE" sz="2400" dirty="0" smtClean="0">
+                <a:effectLst>
+                  <a:outerShdw blurRad="38100" dist="38100" dir="2700000" algn="tl">
+                    <a:srgbClr val="000000">
+                      <a:alpha val="43137"/>
+                    </a:srgbClr>
+                  </a:outerShdw>
+                </a:effectLst>
+              </a:rPr>
+              <a:t> </a:t>
+            </a:r>
+            <a:r>
+              <a:rPr lang="de-DE" sz="2400" dirty="0" err="1" smtClean="0">
+                <a:effectLst>
+                  <a:outerShdw blurRad="38100" dist="38100" dir="2700000" algn="tl">
+                    <a:srgbClr val="000000">
+                      <a:alpha val="43137"/>
+                    </a:srgbClr>
+                  </a:outerShdw>
+                </a:effectLst>
+              </a:rPr>
+              <a:t>you</a:t>
+            </a:r>
+            <a:r>
+              <a:rPr lang="de-DE" sz="2400" dirty="0" smtClean="0">
+                <a:effectLst>
+                  <a:outerShdw blurRad="38100" dist="38100" dir="2700000" algn="tl">
+                    <a:srgbClr val="000000">
+                      <a:alpha val="43137"/>
+                    </a:srgbClr>
+                  </a:outerShdw>
+                </a:effectLst>
+              </a:rPr>
+              <a:t> </a:t>
+            </a:r>
+            <a:r>
+              <a:rPr lang="de-DE" sz="2400" dirty="0" err="1" smtClean="0">
+                <a:effectLst>
+                  <a:outerShdw blurRad="38100" dist="38100" dir="2700000" algn="tl">
+                    <a:srgbClr val="000000">
+                      <a:alpha val="43137"/>
+                    </a:srgbClr>
+                  </a:outerShdw>
+                </a:effectLst>
+              </a:rPr>
+              <a:t>completed</a:t>
+            </a:r>
+            <a:r>
+              <a:rPr lang="de-DE" sz="2400" dirty="0" smtClean="0">
+                <a:effectLst>
+                  <a:outerShdw blurRad="38100" dist="38100" dir="2700000" algn="tl">
+                    <a:srgbClr val="000000">
+                      <a:alpha val="43137"/>
+                    </a:srgbClr>
+                  </a:outerShdw>
+                </a:effectLst>
+              </a:rPr>
+              <a:t>?</a:t>
+            </a:r>
+          </a:p>
+        </p:txBody>
+      </p:sp>
+      <p:sp>
+        <p:nvSpPr>
+          <p:cNvPr id="26" name="Textfeld 25"/>
+          <p:cNvSpPr txBox="1"/>
+          <p:nvPr/>
+        </p:nvSpPr>
+        <p:spPr>
+          <a:xfrm>
+            <a:off x="9929446" y="3864955"/>
+            <a:ext cx="1863970" cy="2308324"/>
+          </a:xfrm>
+          <a:prstGeom prst="rect">
+            <a:avLst/>
+          </a:prstGeom>
+          <a:noFill/>
+        </p:spPr>
+        <p:txBody>
+          <a:bodyPr wrap="square" rtlCol="0">
+            <a:spAutoFit/>
+          </a:bodyPr>
+          <a:lstStyle/>
+          <a:p>
+            <a:pPr algn="ctr"/>
+            <a:r>
+              <a:rPr lang="de-DE" sz="2400" dirty="0" err="1" smtClean="0">
+                <a:effectLst>
+                  <a:outerShdw blurRad="38100" dist="38100" dir="2700000" algn="tl">
+                    <a:srgbClr val="000000">
+                      <a:alpha val="43137"/>
+                    </a:srgbClr>
+                  </a:outerShdw>
+                </a:effectLst>
+              </a:rPr>
+              <a:t>What</a:t>
+            </a:r>
+            <a:r>
+              <a:rPr lang="de-DE" sz="2400" dirty="0" smtClean="0">
+                <a:effectLst>
+                  <a:outerShdw blurRad="38100" dist="38100" dir="2700000" algn="tl">
+                    <a:srgbClr val="000000">
+                      <a:alpha val="43137"/>
+                    </a:srgbClr>
+                  </a:outerShdw>
+                </a:effectLst>
+              </a:rPr>
+              <a:t> do </a:t>
+            </a:r>
+            <a:r>
+              <a:rPr lang="de-DE" sz="2400" dirty="0" err="1" smtClean="0">
+                <a:effectLst>
+                  <a:outerShdw blurRad="38100" dist="38100" dir="2700000" algn="tl">
+                    <a:srgbClr val="000000">
+                      <a:alpha val="43137"/>
+                    </a:srgbClr>
+                  </a:outerShdw>
+                </a:effectLst>
+              </a:rPr>
+              <a:t>you</a:t>
+            </a:r>
+            <a:r>
+              <a:rPr lang="de-DE" sz="2400" dirty="0" smtClean="0">
+                <a:effectLst>
+                  <a:outerShdw blurRad="38100" dist="38100" dir="2700000" algn="tl">
+                    <a:srgbClr val="000000">
+                      <a:alpha val="43137"/>
+                    </a:srgbClr>
+                  </a:outerShdw>
+                </a:effectLst>
+              </a:rPr>
+              <a:t> plan?</a:t>
+            </a:r>
+          </a:p>
+          <a:p>
+            <a:pPr algn="ctr"/>
+            <a:endParaRPr lang="de-DE" sz="2400" dirty="0" smtClean="0">
+              <a:effectLst>
+                <a:outerShdw blurRad="38100" dist="38100" dir="2700000" algn="tl">
+                  <a:srgbClr val="000000">
+                    <a:alpha val="43137"/>
+                  </a:srgbClr>
+                </a:outerShdw>
+              </a:effectLst>
+            </a:endParaRPr>
+          </a:p>
+          <a:p>
+            <a:pPr algn="ctr"/>
+            <a:r>
+              <a:rPr lang="de-DE" sz="2400" dirty="0" err="1">
+                <a:effectLst>
+                  <a:outerShdw blurRad="38100" dist="38100" dir="2700000" algn="tl">
+                    <a:srgbClr val="000000">
+                      <a:alpha val="43137"/>
+                    </a:srgbClr>
+                  </a:outerShdw>
+                </a:effectLst>
+              </a:rPr>
+              <a:t>What</a:t>
+            </a:r>
+            <a:r>
+              <a:rPr lang="de-DE" sz="2400" dirty="0">
+                <a:effectLst>
+                  <a:outerShdw blurRad="38100" dist="38100" dir="2700000" algn="tl">
+                    <a:srgbClr val="000000">
+                      <a:alpha val="43137"/>
+                    </a:srgbClr>
+                  </a:outerShdw>
+                </a:effectLst>
+              </a:rPr>
+              <a:t> </a:t>
+            </a:r>
+            <a:r>
+              <a:rPr lang="de-DE" sz="2400" dirty="0" err="1" smtClean="0">
+                <a:effectLst>
+                  <a:outerShdw blurRad="38100" dist="38100" dir="2700000" algn="tl">
+                    <a:srgbClr val="000000">
+                      <a:alpha val="43137"/>
+                    </a:srgbClr>
+                  </a:outerShdw>
+                </a:effectLst>
+              </a:rPr>
+              <a:t>is</a:t>
+            </a:r>
+            <a:r>
+              <a:rPr lang="de-DE" sz="2400" dirty="0" smtClean="0">
+                <a:effectLst>
+                  <a:outerShdw blurRad="38100" dist="38100" dir="2700000" algn="tl">
+                    <a:srgbClr val="000000">
+                      <a:alpha val="43137"/>
+                    </a:srgbClr>
+                  </a:outerShdw>
+                </a:effectLst>
+              </a:rPr>
+              <a:t> </a:t>
+            </a:r>
+            <a:r>
+              <a:rPr lang="de-DE" sz="2400" dirty="0" err="1" smtClean="0">
+                <a:effectLst>
+                  <a:outerShdw blurRad="38100" dist="38100" dir="2700000" algn="tl">
+                    <a:srgbClr val="000000">
+                      <a:alpha val="43137"/>
+                    </a:srgbClr>
+                  </a:outerShdw>
+                </a:effectLst>
+              </a:rPr>
+              <a:t>getting</a:t>
+            </a:r>
+            <a:r>
+              <a:rPr lang="de-DE" sz="2400" dirty="0" smtClean="0">
+                <a:effectLst>
+                  <a:outerShdw blurRad="38100" dist="38100" dir="2700000" algn="tl">
+                    <a:srgbClr val="000000">
+                      <a:alpha val="43137"/>
+                    </a:srgbClr>
+                  </a:outerShdw>
+                </a:effectLst>
+              </a:rPr>
+              <a:t> in </a:t>
+            </a:r>
+            <a:r>
+              <a:rPr lang="de-DE" sz="2400" dirty="0" err="1" smtClean="0">
+                <a:effectLst>
+                  <a:outerShdw blurRad="38100" dist="38100" dir="2700000" algn="tl">
+                    <a:srgbClr val="000000">
+                      <a:alpha val="43137"/>
+                    </a:srgbClr>
+                  </a:outerShdw>
+                </a:effectLst>
+              </a:rPr>
+              <a:t>your</a:t>
+            </a:r>
+            <a:r>
+              <a:rPr lang="de-DE" sz="2400" dirty="0" smtClean="0">
+                <a:effectLst>
+                  <a:outerShdw blurRad="38100" dist="38100" dir="2700000" algn="tl">
+                    <a:srgbClr val="000000">
+                      <a:alpha val="43137"/>
+                    </a:srgbClr>
+                  </a:outerShdw>
+                </a:effectLst>
+              </a:rPr>
+              <a:t> </a:t>
+            </a:r>
+            <a:r>
+              <a:rPr lang="de-DE" sz="2400" dirty="0" err="1" smtClean="0">
+                <a:effectLst>
+                  <a:outerShdw blurRad="38100" dist="38100" dir="2700000" algn="tl">
+                    <a:srgbClr val="000000">
+                      <a:alpha val="43137"/>
+                    </a:srgbClr>
+                  </a:outerShdw>
+                </a:effectLst>
+              </a:rPr>
+              <a:t>way</a:t>
+            </a:r>
+            <a:r>
+              <a:rPr lang="de-DE" sz="2400" dirty="0" smtClean="0">
+                <a:effectLst>
+                  <a:outerShdw blurRad="38100" dist="38100" dir="2700000" algn="tl">
+                    <a:srgbClr val="000000">
+                      <a:alpha val="43137"/>
+                    </a:srgbClr>
+                  </a:outerShdw>
+                </a:effectLst>
+              </a:rPr>
+              <a:t>?</a:t>
+            </a:r>
+            <a:endParaRPr lang="de-DE" sz="2400" dirty="0">
+              <a:effectLst>
+                <a:outerShdw blurRad="38100" dist="38100" dir="2700000" algn="tl">
+                  <a:srgbClr val="000000">
+                    <a:alpha val="43137"/>
+                  </a:srgbClr>
+                </a:outerShdw>
+              </a:effectLst>
+            </a:endParaRPr>
+          </a:p>
+        </p:txBody>
+      </p:sp>
+      <p:cxnSp>
+        <p:nvCxnSpPr>
+          <p:cNvPr id="28" name="Gerader Verbinder 27"/>
+          <p:cNvCxnSpPr>
+            <a:stCxn id="22" idx="0"/>
+          </p:cNvCxnSpPr>
+          <p:nvPr/>
+        </p:nvCxnSpPr>
+        <p:spPr>
+          <a:xfrm flipH="1">
+            <a:off x="8229600" y="3240699"/>
+            <a:ext cx="732" cy="267432"/>
+          </a:xfrm>
+          <a:prstGeom prst="line">
+            <a:avLst/>
+          </a:prstGeom>
+          <a:ln>
+            <a:solidFill>
+              <a:srgbClr val="05164C"/>
+            </a:solidFill>
+          </a:ln>
+        </p:spPr>
+        <p:style>
+          <a:lnRef idx="1">
+            <a:schemeClr val="dk1"/>
+          </a:lnRef>
+          <a:fillRef idx="0">
+            <a:schemeClr val="dk1"/>
+          </a:fillRef>
+          <a:effectRef idx="0">
+            <a:schemeClr val="dk1"/>
+          </a:effectRef>
+          <a:fontRef idx="minor">
+            <a:schemeClr val="tx1"/>
+          </a:fontRef>
+        </p:style>
+      </p:cxnSp>
+      <p:cxnSp>
+        <p:nvCxnSpPr>
+          <p:cNvPr id="29" name="Gerader Verbinder 28"/>
+          <p:cNvCxnSpPr>
+            <a:stCxn id="22" idx="7"/>
+          </p:cNvCxnSpPr>
+          <p:nvPr/>
+        </p:nvCxnSpPr>
+        <p:spPr>
+          <a:xfrm flipH="1">
+            <a:off x="9065600" y="3637817"/>
+            <a:ext cx="164131" cy="184975"/>
+          </a:xfrm>
+          <a:prstGeom prst="line">
+            <a:avLst/>
+          </a:prstGeom>
+          <a:ln>
+            <a:solidFill>
+              <a:srgbClr val="05164C"/>
+            </a:solidFill>
+          </a:ln>
+        </p:spPr>
+        <p:style>
+          <a:lnRef idx="1">
+            <a:schemeClr val="dk1"/>
+          </a:lnRef>
+          <a:fillRef idx="0">
+            <a:schemeClr val="dk1"/>
+          </a:fillRef>
+          <a:effectRef idx="0">
+            <a:schemeClr val="dk1"/>
+          </a:effectRef>
+          <a:fontRef idx="minor">
+            <a:schemeClr val="tx1"/>
+          </a:fontRef>
+        </p:style>
+      </p:cxnSp>
+      <p:cxnSp>
+        <p:nvCxnSpPr>
+          <p:cNvPr id="32" name="Gerader Verbinder 31"/>
+          <p:cNvCxnSpPr>
+            <a:stCxn id="22" idx="6"/>
+          </p:cNvCxnSpPr>
+          <p:nvPr/>
+        </p:nvCxnSpPr>
+        <p:spPr>
+          <a:xfrm flipH="1" flipV="1">
+            <a:off x="9447335" y="4594227"/>
+            <a:ext cx="196361" cy="2319"/>
+          </a:xfrm>
+          <a:prstGeom prst="line">
+            <a:avLst/>
+          </a:prstGeom>
+          <a:ln>
+            <a:solidFill>
+              <a:srgbClr val="05164C"/>
+            </a:solidFill>
+          </a:ln>
+        </p:spPr>
+        <p:style>
+          <a:lnRef idx="1">
+            <a:schemeClr val="dk1"/>
+          </a:lnRef>
+          <a:fillRef idx="0">
+            <a:schemeClr val="dk1"/>
+          </a:fillRef>
+          <a:effectRef idx="0">
+            <a:schemeClr val="dk1"/>
+          </a:effectRef>
+          <a:fontRef idx="minor">
+            <a:schemeClr val="tx1"/>
+          </a:fontRef>
+        </p:style>
+      </p:cxnSp>
+      <p:sp>
+        <p:nvSpPr>
+          <p:cNvPr id="46" name="Pfeil nach rechts 45"/>
+          <p:cNvSpPr/>
+          <p:nvPr/>
+        </p:nvSpPr>
+        <p:spPr>
+          <a:xfrm>
+            <a:off x="5015645" y="3436298"/>
+            <a:ext cx="677007" cy="369276"/>
+          </a:xfrm>
+          <a:prstGeom prst="rightArrow">
+            <a:avLst/>
+          </a:prstGeom>
+        </p:spPr>
+        <p:style>
+          <a:lnRef idx="0">
+            <a:schemeClr val="accent4"/>
+          </a:lnRef>
+          <a:fillRef idx="3">
+            <a:schemeClr val="accent4"/>
+          </a:fillRef>
+          <a:effectRef idx="3">
+            <a:schemeClr val="accent4"/>
+          </a:effectRef>
+          <a:fontRef idx="minor">
+            <a:schemeClr val="lt1"/>
+          </a:fontRef>
+        </p:style>
+        <p:txBody>
+          <a:bodyPr rtlCol="0" anchor="ctr"/>
+          <a:lstStyle/>
+          <a:p>
+            <a:pPr algn="ctr"/>
+            <a:endParaRPr lang="de-DE"/>
+          </a:p>
+        </p:txBody>
+      </p:sp>
+    </p:spTree>
+    <p:extLst>
+      <p:ext uri="{BB962C8B-B14F-4D97-AF65-F5344CB8AC3E}">
+        <p14:creationId xmlns:p14="http://schemas.microsoft.com/office/powerpoint/2010/main" val="642664938"/>
+      </p:ext>
+    </p:extLst>
+  </p:cSld>
+  <p:clrMapOvr>
+    <a:masterClrMapping/>
+  </p:clrMapOvr>
+</p:sld>
+</file>
+
+<file path=ppt/slides/slide5.xml><?xml version="1.0" encoding="utf-8"?>
+<p:sld xmlns:a="http://schemas.openxmlformats.org/drawingml/2006/main" xmlns:r="http://schemas.openxmlformats.org/officeDocument/2006/relationships" xmlns:p="http://schemas.openxmlformats.org/presentationml/2006/main">
+  <p:cSld>
+    <p:spTree>
+      <p:nvGrpSpPr>
+        <p:cNvPr id="1" name=""/>
+        <p:cNvGrpSpPr/>
+        <p:nvPr/>
+      </p:nvGrpSpPr>
+      <p:grpSpPr>
+        <a:xfrm>
+          <a:off x="0" y="0"/>
+          <a:ext cx="0" cy="0"/>
+          <a:chOff x="0" y="0"/>
+          <a:chExt cx="0" cy="0"/>
+        </a:xfrm>
+      </p:grpSpPr>
+      <p:sp>
+        <p:nvSpPr>
+          <p:cNvPr id="2" name="Titel 1"/>
+          <p:cNvSpPr>
+            <a:spLocks noGrp="1"/>
+          </p:cNvSpPr>
+          <p:nvPr>
+            <p:ph type="title"/>
+          </p:nvPr>
+        </p:nvSpPr>
+        <p:spPr/>
+        <p:txBody>
+          <a:bodyPr/>
+          <a:lstStyle/>
+          <a:p>
+            <a:r>
+              <a:rPr lang="de-DE" dirty="0" err="1"/>
+              <a:t>Mockup</a:t>
+            </a:r>
+            <a:r>
+              <a:rPr lang="de-DE" dirty="0"/>
+              <a:t> mobile </a:t>
+            </a:r>
+            <a:r>
+              <a:rPr lang="de-DE" dirty="0" err="1"/>
+              <a:t>version</a:t>
+            </a:r>
+            <a:r>
+              <a:rPr lang="de-DE" dirty="0"/>
+              <a:t>: </a:t>
+            </a:r>
+            <a:r>
+              <a:rPr lang="de-DE" dirty="0" err="1" smtClean="0"/>
+              <a:t>Planning</a:t>
+            </a:r>
+            <a:r>
+              <a:rPr lang="de-DE" dirty="0" smtClean="0"/>
+              <a:t> Poker</a:t>
+            </a:r>
+            <a:endParaRPr lang="de-DE" dirty="0"/>
+          </a:p>
+        </p:txBody>
+      </p:sp>
+      <p:sp>
+        <p:nvSpPr>
+          <p:cNvPr id="5" name="Rechteck 4"/>
+          <p:cNvSpPr/>
+          <p:nvPr/>
+        </p:nvSpPr>
+        <p:spPr>
+          <a:xfrm>
+            <a:off x="1028700" y="1690688"/>
+            <a:ext cx="3059723" cy="703385"/>
+          </a:xfrm>
+          <a:prstGeom prst="rect">
+            <a:avLst/>
+          </a:prstGeom>
+          <a:solidFill>
+            <a:srgbClr val="05164C"/>
+          </a:solidFill>
+        </p:spPr>
+        <p:style>
+          <a:lnRef idx="2">
+            <a:schemeClr val="accent1">
+              <a:shade val="50000"/>
+            </a:schemeClr>
+          </a:lnRef>
+          <a:fillRef idx="1">
+            <a:schemeClr val="accent1"/>
+          </a:fillRef>
+          <a:effectRef idx="0">
+            <a:schemeClr val="accent1"/>
+          </a:effectRef>
+          <a:fontRef idx="minor">
+            <a:schemeClr val="lt1"/>
+          </a:fontRef>
+        </p:style>
+        <p:txBody>
+          <a:bodyPr rtlCol="0" anchor="ctr"/>
+          <a:lstStyle/>
+          <a:p>
+            <a:pPr algn="ctr"/>
+            <a:r>
+              <a:rPr lang="de-DE" dirty="0" err="1" smtClean="0"/>
+              <a:t>Planning</a:t>
+            </a:r>
+            <a:r>
+              <a:rPr lang="de-DE" dirty="0" smtClean="0"/>
+              <a:t> Poker</a:t>
+            </a:r>
+            <a:endParaRPr lang="de-DE" dirty="0"/>
+          </a:p>
+        </p:txBody>
+      </p:sp>
+      <p:pic>
+        <p:nvPicPr>
+          <p:cNvPr id="1026" name="Picture 2" descr="Bildergebnis für coffee break icon"/>
+          <p:cNvPicPr>
+            <a:picLocks noChangeAspect="1" noChangeArrowheads="1"/>
+          </p:cNvPicPr>
+          <p:nvPr/>
+        </p:nvPicPr>
+        <p:blipFill>
+          <a:blip r:embed="rId2" cstate="print">
+            <a:biLevel thresh="50000"/>
+            <a:extLst>
+              <a:ext uri="{28A0092B-C50C-407E-A947-70E740481C1C}">
+                <a14:useLocalDpi xmlns:a14="http://schemas.microsoft.com/office/drawing/2010/main" val="0"/>
+              </a:ext>
+            </a:extLst>
+          </a:blip>
+          <a:srcRect/>
+          <a:stretch>
+            <a:fillRect/>
+          </a:stretch>
+        </p:blipFill>
+        <p:spPr bwMode="auto">
+          <a:xfrm>
+            <a:off x="3323491" y="5554172"/>
+            <a:ext cx="562709" cy="562709"/>
+          </a:xfrm>
+          <a:prstGeom prst="rect">
+            <a:avLst/>
+          </a:prstGeom>
+          <a:noFill/>
+          <a:extLst>
+            <a:ext uri="{909E8E84-426E-40DD-AFC4-6F175D3DCCD1}">
+              <a14:hiddenFill xmlns:a14="http://schemas.microsoft.com/office/drawing/2010/main">
+                <a:solidFill>
+                  <a:srgbClr val="FFFFFF"/>
+                </a:solidFill>
+              </a14:hiddenFill>
+            </a:ext>
+          </a:extLst>
+        </p:spPr>
+      </p:pic>
+      <p:pic>
+        <p:nvPicPr>
+          <p:cNvPr id="1032" name="Picture 8" descr="Bildergebnis für question mark icon free"/>
+          <p:cNvPicPr>
+            <a:picLocks noChangeAspect="1" noChangeArrowheads="1"/>
+          </p:cNvPicPr>
+          <p:nvPr/>
+        </p:nvPicPr>
+        <p:blipFill>
+          <a:blip r:embed="rId3" cstate="print">
+            <a:clrChange>
+              <a:clrFrom>
+                <a:srgbClr val="FFFFFF"/>
+              </a:clrFrom>
+              <a:clrTo>
+                <a:srgbClr val="FFFFFF">
+                  <a:alpha val="0"/>
+                </a:srgbClr>
+              </a:clrTo>
+            </a:clrChange>
+            <a:extLst>
+              <a:ext uri="{28A0092B-C50C-407E-A947-70E740481C1C}">
+                <a14:useLocalDpi xmlns:a14="http://schemas.microsoft.com/office/drawing/2010/main" val="0"/>
+              </a:ext>
+            </a:extLst>
+          </a:blip>
+          <a:srcRect/>
+          <a:stretch>
+            <a:fillRect/>
+          </a:stretch>
+        </p:blipFill>
+        <p:spPr bwMode="auto">
+          <a:xfrm>
+            <a:off x="1248508" y="5695949"/>
+            <a:ext cx="629559" cy="419466"/>
+          </a:xfrm>
+          <a:prstGeom prst="rect">
+            <a:avLst/>
+          </a:prstGeom>
+          <a:noFill/>
+          <a:extLst>
+            <a:ext uri="{909E8E84-426E-40DD-AFC4-6F175D3DCCD1}">
+              <a14:hiddenFill xmlns:a14="http://schemas.microsoft.com/office/drawing/2010/main">
+                <a:solidFill>
+                  <a:srgbClr val="FFFFFF"/>
+                </a:solidFill>
+              </a14:hiddenFill>
+            </a:ext>
+          </a:extLst>
+        </p:spPr>
+      </p:pic>
+      <p:grpSp>
+        <p:nvGrpSpPr>
+          <p:cNvPr id="16" name="Gruppieren 15"/>
+          <p:cNvGrpSpPr/>
+          <p:nvPr/>
+        </p:nvGrpSpPr>
+        <p:grpSpPr>
+          <a:xfrm>
+            <a:off x="1661746" y="3016250"/>
+            <a:ext cx="1758462" cy="2537921"/>
+            <a:chOff x="1661746" y="3016250"/>
+            <a:chExt cx="1758462" cy="2537921"/>
+          </a:xfrm>
+        </p:grpSpPr>
+        <p:sp>
+          <p:nvSpPr>
+            <p:cNvPr id="15" name="Abgerundetes Rechteck 14"/>
+            <p:cNvSpPr/>
+            <p:nvPr/>
+          </p:nvSpPr>
+          <p:spPr>
+            <a:xfrm>
+              <a:off x="1661746" y="3016250"/>
+              <a:ext cx="1758462" cy="2537921"/>
+            </a:xfrm>
+            <a:prstGeom prst="roundRect">
+              <a:avLst>
+                <a:gd name="adj" fmla="val 13167"/>
+              </a:avLst>
+            </a:prstGeom>
+            <a:ln>
+              <a:solidFill>
+                <a:srgbClr val="05164C"/>
+              </a:solidFill>
+            </a:ln>
+          </p:spPr>
+          <p:style>
+            <a:lnRef idx="2">
+              <a:schemeClr val="dk1"/>
+            </a:lnRef>
+            <a:fillRef idx="1">
+              <a:schemeClr val="lt1"/>
+            </a:fillRef>
+            <a:effectRef idx="0">
+              <a:schemeClr val="dk1"/>
+            </a:effectRef>
+            <a:fontRef idx="minor">
+              <a:schemeClr val="dk1"/>
+            </a:fontRef>
+          </p:style>
+          <p:txBody>
+            <a:bodyPr rtlCol="0" anchor="ctr"/>
+            <a:lstStyle/>
+            <a:p>
+              <a:pPr algn="ctr"/>
+              <a:endParaRPr lang="de-DE"/>
+            </a:p>
+          </p:txBody>
+        </p:sp>
+        <p:sp>
+          <p:nvSpPr>
+            <p:cNvPr id="18" name="Abgerundetes Rechteck 17"/>
+            <p:cNvSpPr/>
+            <p:nvPr/>
+          </p:nvSpPr>
+          <p:spPr>
+            <a:xfrm>
+              <a:off x="1693706" y="3040917"/>
+              <a:ext cx="1694541" cy="2486878"/>
+            </a:xfrm>
+            <a:prstGeom prst="roundRect">
+              <a:avLst>
+                <a:gd name="adj" fmla="val 13167"/>
+              </a:avLst>
+            </a:prstGeom>
+            <a:ln>
+              <a:solidFill>
+                <a:srgbClr val="05164C"/>
+              </a:solidFill>
+            </a:ln>
+          </p:spPr>
+          <p:style>
+            <a:lnRef idx="2">
+              <a:schemeClr val="dk1"/>
+            </a:lnRef>
+            <a:fillRef idx="1">
+              <a:schemeClr val="lt1"/>
+            </a:fillRef>
+            <a:effectRef idx="0">
+              <a:schemeClr val="dk1"/>
+            </a:effectRef>
+            <a:fontRef idx="minor">
+              <a:schemeClr val="dk1"/>
+            </a:fontRef>
+          </p:style>
+          <p:txBody>
+            <a:bodyPr rtlCol="0" anchor="ctr"/>
+            <a:lstStyle/>
+            <a:p>
+              <a:pPr algn="ctr"/>
+              <a:endParaRPr lang="de-DE"/>
+            </a:p>
+          </p:txBody>
+        </p:sp>
+      </p:grpSp>
+      <p:sp>
+        <p:nvSpPr>
+          <p:cNvPr id="17" name="Textfeld 16"/>
+          <p:cNvSpPr txBox="1"/>
+          <p:nvPr/>
+        </p:nvSpPr>
+        <p:spPr>
+          <a:xfrm>
+            <a:off x="1917058" y="3384277"/>
+            <a:ext cx="1267525" cy="1569660"/>
+          </a:xfrm>
+          <a:prstGeom prst="rect">
+            <a:avLst/>
+          </a:prstGeom>
+          <a:noFill/>
+        </p:spPr>
+        <p:txBody>
+          <a:bodyPr wrap="square" rtlCol="0">
+            <a:spAutoFit/>
+          </a:bodyPr>
+          <a:lstStyle/>
+          <a:p>
+            <a:pPr algn="ctr"/>
+            <a:r>
+              <a:rPr lang="de-DE" sz="9600" dirty="0" smtClean="0"/>
+              <a:t>0</a:t>
+            </a:r>
+            <a:endParaRPr lang="de-DE" sz="9600" dirty="0"/>
+          </a:p>
+        </p:txBody>
+      </p:sp>
+      <p:grpSp>
+        <p:nvGrpSpPr>
+          <p:cNvPr id="21" name="Gruppieren 20"/>
+          <p:cNvGrpSpPr/>
+          <p:nvPr/>
+        </p:nvGrpSpPr>
+        <p:grpSpPr>
+          <a:xfrm>
+            <a:off x="1344315" y="2532881"/>
+            <a:ext cx="249117" cy="342900"/>
+            <a:chOff x="1661746" y="3016250"/>
+            <a:chExt cx="1758462" cy="2537921"/>
+          </a:xfrm>
+        </p:grpSpPr>
+        <p:sp>
+          <p:nvSpPr>
+            <p:cNvPr id="22" name="Abgerundetes Rechteck 21"/>
+            <p:cNvSpPr/>
+            <p:nvPr/>
+          </p:nvSpPr>
+          <p:spPr>
+            <a:xfrm>
+              <a:off x="1661746" y="3016250"/>
+              <a:ext cx="1758462" cy="2537921"/>
+            </a:xfrm>
+            <a:prstGeom prst="roundRect">
+              <a:avLst>
+                <a:gd name="adj" fmla="val 13167"/>
+              </a:avLst>
+            </a:prstGeom>
+            <a:ln>
+              <a:solidFill>
+                <a:srgbClr val="05164C"/>
+              </a:solidFill>
+            </a:ln>
+          </p:spPr>
+          <p:style>
+            <a:lnRef idx="2">
+              <a:schemeClr val="dk1"/>
+            </a:lnRef>
+            <a:fillRef idx="1">
+              <a:schemeClr val="lt1"/>
+            </a:fillRef>
+            <a:effectRef idx="0">
+              <a:schemeClr val="dk1"/>
+            </a:effectRef>
+            <a:fontRef idx="minor">
+              <a:schemeClr val="dk1"/>
+            </a:fontRef>
+          </p:style>
+          <p:txBody>
+            <a:bodyPr rtlCol="0" anchor="ctr"/>
+            <a:lstStyle/>
+            <a:p>
+              <a:pPr algn="ctr"/>
+              <a:endParaRPr lang="de-DE"/>
+            </a:p>
+          </p:txBody>
+        </p:sp>
+        <p:sp>
+          <p:nvSpPr>
+            <p:cNvPr id="23" name="Abgerundetes Rechteck 22"/>
+            <p:cNvSpPr/>
+            <p:nvPr/>
+          </p:nvSpPr>
+          <p:spPr>
+            <a:xfrm>
+              <a:off x="1693706" y="3040917"/>
+              <a:ext cx="1694541" cy="2486878"/>
+            </a:xfrm>
+            <a:prstGeom prst="roundRect">
+              <a:avLst>
+                <a:gd name="adj" fmla="val 13167"/>
+              </a:avLst>
+            </a:prstGeom>
+            <a:ln>
+              <a:solidFill>
+                <a:srgbClr val="05164C"/>
+              </a:solidFill>
+            </a:ln>
+          </p:spPr>
+          <p:style>
+            <a:lnRef idx="2">
+              <a:schemeClr val="dk1"/>
+            </a:lnRef>
+            <a:fillRef idx="1">
+              <a:schemeClr val="lt1"/>
+            </a:fillRef>
+            <a:effectRef idx="0">
+              <a:schemeClr val="dk1"/>
+            </a:effectRef>
+            <a:fontRef idx="minor">
+              <a:schemeClr val="dk1"/>
+            </a:fontRef>
+          </p:style>
+          <p:txBody>
+            <a:bodyPr rtlCol="0" anchor="ctr"/>
+            <a:lstStyle/>
+            <a:p>
+              <a:pPr algn="ctr"/>
+              <a:endParaRPr lang="de-DE"/>
+            </a:p>
+          </p:txBody>
+        </p:sp>
+      </p:grpSp>
+      <p:grpSp>
+        <p:nvGrpSpPr>
+          <p:cNvPr id="24" name="Gruppieren 23"/>
+          <p:cNvGrpSpPr/>
+          <p:nvPr/>
+        </p:nvGrpSpPr>
+        <p:grpSpPr>
+          <a:xfrm>
+            <a:off x="1664954" y="2532881"/>
+            <a:ext cx="249117" cy="342900"/>
+            <a:chOff x="1661746" y="3016250"/>
+            <a:chExt cx="1758462" cy="2537921"/>
+          </a:xfrm>
+        </p:grpSpPr>
+        <p:sp>
+          <p:nvSpPr>
+            <p:cNvPr id="25" name="Abgerundetes Rechteck 24"/>
+            <p:cNvSpPr/>
+            <p:nvPr/>
+          </p:nvSpPr>
+          <p:spPr>
+            <a:xfrm>
+              <a:off x="1661746" y="3016250"/>
+              <a:ext cx="1758462" cy="2537921"/>
+            </a:xfrm>
+            <a:prstGeom prst="roundRect">
+              <a:avLst>
+                <a:gd name="adj" fmla="val 13167"/>
+              </a:avLst>
+            </a:prstGeom>
+            <a:ln>
+              <a:solidFill>
+                <a:srgbClr val="05164C"/>
+              </a:solidFill>
+            </a:ln>
+          </p:spPr>
+          <p:style>
+            <a:lnRef idx="2">
+              <a:schemeClr val="dk1"/>
+            </a:lnRef>
+            <a:fillRef idx="1">
+              <a:schemeClr val="lt1"/>
+            </a:fillRef>
+            <a:effectRef idx="0">
+              <a:schemeClr val="dk1"/>
+            </a:effectRef>
+            <a:fontRef idx="minor">
+              <a:schemeClr val="dk1"/>
+            </a:fontRef>
+          </p:style>
+          <p:txBody>
+            <a:bodyPr rtlCol="0" anchor="ctr"/>
+            <a:lstStyle/>
+            <a:p>
+              <a:pPr algn="ctr"/>
+              <a:endParaRPr lang="de-DE"/>
+            </a:p>
+          </p:txBody>
+        </p:sp>
+        <p:sp>
+          <p:nvSpPr>
+            <p:cNvPr id="26" name="Abgerundetes Rechteck 25"/>
+            <p:cNvSpPr/>
+            <p:nvPr/>
+          </p:nvSpPr>
+          <p:spPr>
+            <a:xfrm>
+              <a:off x="1693706" y="3040917"/>
+              <a:ext cx="1694541" cy="2486878"/>
+            </a:xfrm>
+            <a:prstGeom prst="roundRect">
+              <a:avLst>
+                <a:gd name="adj" fmla="val 13167"/>
+              </a:avLst>
+            </a:prstGeom>
+            <a:ln>
+              <a:solidFill>
+                <a:srgbClr val="05164C"/>
+              </a:solidFill>
+            </a:ln>
+          </p:spPr>
+          <p:style>
+            <a:lnRef idx="2">
+              <a:schemeClr val="dk1"/>
+            </a:lnRef>
+            <a:fillRef idx="1">
+              <a:schemeClr val="lt1"/>
+            </a:fillRef>
+            <a:effectRef idx="0">
+              <a:schemeClr val="dk1"/>
+            </a:effectRef>
+            <a:fontRef idx="minor">
+              <a:schemeClr val="dk1"/>
+            </a:fontRef>
+          </p:style>
+          <p:txBody>
+            <a:bodyPr rtlCol="0" anchor="ctr"/>
+            <a:lstStyle/>
+            <a:p>
+              <a:pPr algn="ctr"/>
+              <a:r>
+                <a:rPr lang="de-DE" dirty="0" smtClean="0"/>
+                <a:t>1</a:t>
+              </a:r>
+              <a:endParaRPr lang="de-DE" dirty="0"/>
+            </a:p>
+          </p:txBody>
+        </p:sp>
+      </p:grpSp>
+      <p:grpSp>
+        <p:nvGrpSpPr>
+          <p:cNvPr id="30" name="Gruppieren 29"/>
+          <p:cNvGrpSpPr/>
+          <p:nvPr/>
+        </p:nvGrpSpPr>
+        <p:grpSpPr>
+          <a:xfrm>
+            <a:off x="1985593" y="2533950"/>
+            <a:ext cx="249117" cy="342900"/>
+            <a:chOff x="1661746" y="3016250"/>
+            <a:chExt cx="1758462" cy="2537921"/>
+          </a:xfrm>
+        </p:grpSpPr>
+        <p:sp>
+          <p:nvSpPr>
+            <p:cNvPr id="31" name="Abgerundetes Rechteck 30"/>
+            <p:cNvSpPr/>
+            <p:nvPr/>
+          </p:nvSpPr>
+          <p:spPr>
+            <a:xfrm>
+              <a:off x="1661746" y="3016250"/>
+              <a:ext cx="1758462" cy="2537921"/>
+            </a:xfrm>
+            <a:prstGeom prst="roundRect">
+              <a:avLst>
+                <a:gd name="adj" fmla="val 13167"/>
+              </a:avLst>
+            </a:prstGeom>
+            <a:ln>
+              <a:solidFill>
+                <a:srgbClr val="05164C"/>
+              </a:solidFill>
+            </a:ln>
+          </p:spPr>
+          <p:style>
+            <a:lnRef idx="2">
+              <a:schemeClr val="dk1"/>
+            </a:lnRef>
+            <a:fillRef idx="1">
+              <a:schemeClr val="lt1"/>
+            </a:fillRef>
+            <a:effectRef idx="0">
+              <a:schemeClr val="dk1"/>
+            </a:effectRef>
+            <a:fontRef idx="minor">
+              <a:schemeClr val="dk1"/>
+            </a:fontRef>
+          </p:style>
+          <p:txBody>
+            <a:bodyPr rtlCol="0" anchor="ctr"/>
+            <a:lstStyle/>
+            <a:p>
+              <a:pPr algn="ctr"/>
+              <a:endParaRPr lang="de-DE"/>
+            </a:p>
+          </p:txBody>
+        </p:sp>
+        <p:sp>
+          <p:nvSpPr>
+            <p:cNvPr id="32" name="Abgerundetes Rechteck 31"/>
+            <p:cNvSpPr/>
+            <p:nvPr/>
+          </p:nvSpPr>
+          <p:spPr>
+            <a:xfrm>
+              <a:off x="1693706" y="3040917"/>
+              <a:ext cx="1694541" cy="2486878"/>
+            </a:xfrm>
+            <a:prstGeom prst="roundRect">
+              <a:avLst>
+                <a:gd name="adj" fmla="val 13167"/>
+              </a:avLst>
+            </a:prstGeom>
+            <a:ln>
+              <a:solidFill>
+                <a:srgbClr val="05164C"/>
+              </a:solidFill>
+            </a:ln>
+          </p:spPr>
+          <p:style>
+            <a:lnRef idx="2">
+              <a:schemeClr val="dk1"/>
+            </a:lnRef>
+            <a:fillRef idx="1">
+              <a:schemeClr val="lt1"/>
+            </a:fillRef>
+            <a:effectRef idx="0">
+              <a:schemeClr val="dk1"/>
+            </a:effectRef>
+            <a:fontRef idx="minor">
+              <a:schemeClr val="dk1"/>
+            </a:fontRef>
+          </p:style>
+          <p:txBody>
+            <a:bodyPr rtlCol="0" anchor="ctr"/>
+            <a:lstStyle/>
+            <a:p>
+              <a:pPr algn="ctr"/>
+              <a:r>
+                <a:rPr lang="de-DE" dirty="0" smtClean="0"/>
+                <a:t>2</a:t>
+              </a:r>
+              <a:endParaRPr lang="de-DE" dirty="0"/>
+            </a:p>
+          </p:txBody>
+        </p:sp>
+      </p:grpSp>
+      <p:grpSp>
+        <p:nvGrpSpPr>
+          <p:cNvPr id="33" name="Gruppieren 32"/>
+          <p:cNvGrpSpPr/>
+          <p:nvPr/>
+        </p:nvGrpSpPr>
+        <p:grpSpPr>
+          <a:xfrm>
+            <a:off x="2301704" y="2535126"/>
+            <a:ext cx="249117" cy="342900"/>
+            <a:chOff x="1661746" y="3016250"/>
+            <a:chExt cx="1758462" cy="2537921"/>
+          </a:xfrm>
+        </p:grpSpPr>
+        <p:sp>
+          <p:nvSpPr>
+            <p:cNvPr id="34" name="Abgerundetes Rechteck 33"/>
+            <p:cNvSpPr/>
+            <p:nvPr/>
+          </p:nvSpPr>
+          <p:spPr>
+            <a:xfrm>
+              <a:off x="1661746" y="3016250"/>
+              <a:ext cx="1758462" cy="2537921"/>
+            </a:xfrm>
+            <a:prstGeom prst="roundRect">
+              <a:avLst>
+                <a:gd name="adj" fmla="val 13167"/>
+              </a:avLst>
+            </a:prstGeom>
+            <a:ln>
+              <a:solidFill>
+                <a:srgbClr val="05164C"/>
+              </a:solidFill>
+            </a:ln>
+          </p:spPr>
+          <p:style>
+            <a:lnRef idx="2">
+              <a:schemeClr val="dk1"/>
+            </a:lnRef>
+            <a:fillRef idx="1">
+              <a:schemeClr val="lt1"/>
+            </a:fillRef>
+            <a:effectRef idx="0">
+              <a:schemeClr val="dk1"/>
+            </a:effectRef>
+            <a:fontRef idx="minor">
+              <a:schemeClr val="dk1"/>
+            </a:fontRef>
+          </p:style>
+          <p:txBody>
+            <a:bodyPr rtlCol="0" anchor="ctr"/>
+            <a:lstStyle/>
+            <a:p>
+              <a:pPr algn="ctr"/>
+              <a:endParaRPr lang="de-DE"/>
+            </a:p>
+          </p:txBody>
+        </p:sp>
+        <p:sp>
+          <p:nvSpPr>
+            <p:cNvPr id="35" name="Abgerundetes Rechteck 34"/>
+            <p:cNvSpPr/>
+            <p:nvPr/>
+          </p:nvSpPr>
+          <p:spPr>
+            <a:xfrm>
+              <a:off x="1693706" y="3040917"/>
+              <a:ext cx="1694541" cy="2486878"/>
+            </a:xfrm>
+            <a:prstGeom prst="roundRect">
+              <a:avLst>
+                <a:gd name="adj" fmla="val 13167"/>
+              </a:avLst>
+            </a:prstGeom>
+            <a:ln>
+              <a:solidFill>
+                <a:srgbClr val="05164C"/>
+              </a:solidFill>
+            </a:ln>
+          </p:spPr>
+          <p:style>
+            <a:lnRef idx="2">
+              <a:schemeClr val="dk1"/>
+            </a:lnRef>
+            <a:fillRef idx="1">
+              <a:schemeClr val="lt1"/>
+            </a:fillRef>
+            <a:effectRef idx="0">
+              <a:schemeClr val="dk1"/>
+            </a:effectRef>
+            <a:fontRef idx="minor">
+              <a:schemeClr val="dk1"/>
+            </a:fontRef>
+          </p:style>
+          <p:txBody>
+            <a:bodyPr rtlCol="0" anchor="ctr"/>
+            <a:lstStyle/>
+            <a:p>
+              <a:pPr algn="ctr"/>
+              <a:r>
+                <a:rPr lang="de-DE" dirty="0" smtClean="0"/>
+                <a:t>3</a:t>
+              </a:r>
+              <a:endParaRPr lang="de-DE" dirty="0"/>
+            </a:p>
+          </p:txBody>
+        </p:sp>
+      </p:grpSp>
+      <p:grpSp>
+        <p:nvGrpSpPr>
+          <p:cNvPr id="36" name="Gruppieren 35"/>
+          <p:cNvGrpSpPr/>
+          <p:nvPr/>
+        </p:nvGrpSpPr>
+        <p:grpSpPr>
+          <a:xfrm>
+            <a:off x="2620896" y="2535851"/>
+            <a:ext cx="249117" cy="342900"/>
+            <a:chOff x="1661746" y="3016250"/>
+            <a:chExt cx="1758462" cy="2537921"/>
+          </a:xfrm>
+        </p:grpSpPr>
+        <p:sp>
+          <p:nvSpPr>
+            <p:cNvPr id="37" name="Abgerundetes Rechteck 36"/>
+            <p:cNvSpPr/>
+            <p:nvPr/>
+          </p:nvSpPr>
+          <p:spPr>
+            <a:xfrm>
+              <a:off x="1661746" y="3016250"/>
+              <a:ext cx="1758462" cy="2537921"/>
+            </a:xfrm>
+            <a:prstGeom prst="roundRect">
+              <a:avLst>
+                <a:gd name="adj" fmla="val 13167"/>
+              </a:avLst>
+            </a:prstGeom>
+            <a:ln>
+              <a:solidFill>
+                <a:srgbClr val="05164C"/>
+              </a:solidFill>
+            </a:ln>
+          </p:spPr>
+          <p:style>
+            <a:lnRef idx="2">
+              <a:schemeClr val="dk1"/>
+            </a:lnRef>
+            <a:fillRef idx="1">
+              <a:schemeClr val="lt1"/>
+            </a:fillRef>
+            <a:effectRef idx="0">
+              <a:schemeClr val="dk1"/>
+            </a:effectRef>
+            <a:fontRef idx="minor">
+              <a:schemeClr val="dk1"/>
+            </a:fontRef>
+          </p:style>
+          <p:txBody>
+            <a:bodyPr rtlCol="0" anchor="ctr"/>
+            <a:lstStyle/>
+            <a:p>
+              <a:pPr algn="ctr"/>
+              <a:endParaRPr lang="de-DE"/>
+            </a:p>
+          </p:txBody>
+        </p:sp>
+        <p:sp>
+          <p:nvSpPr>
+            <p:cNvPr id="38" name="Abgerundetes Rechteck 37"/>
+            <p:cNvSpPr/>
+            <p:nvPr/>
+          </p:nvSpPr>
+          <p:spPr>
+            <a:xfrm>
+              <a:off x="1693706" y="3040917"/>
+              <a:ext cx="1694541" cy="2486878"/>
+            </a:xfrm>
+            <a:prstGeom prst="roundRect">
+              <a:avLst>
+                <a:gd name="adj" fmla="val 13167"/>
+              </a:avLst>
+            </a:prstGeom>
+            <a:ln>
+              <a:solidFill>
+                <a:srgbClr val="05164C"/>
+              </a:solidFill>
+            </a:ln>
+          </p:spPr>
+          <p:style>
+            <a:lnRef idx="2">
+              <a:schemeClr val="dk1"/>
+            </a:lnRef>
+            <a:fillRef idx="1">
+              <a:schemeClr val="lt1"/>
+            </a:fillRef>
+            <a:effectRef idx="0">
+              <a:schemeClr val="dk1"/>
+            </a:effectRef>
+            <a:fontRef idx="minor">
+              <a:schemeClr val="dk1"/>
+            </a:fontRef>
+          </p:style>
+          <p:txBody>
+            <a:bodyPr rtlCol="0" anchor="ctr"/>
+            <a:lstStyle/>
+            <a:p>
+              <a:pPr algn="ctr"/>
+              <a:r>
+                <a:rPr lang="de-DE" dirty="0" smtClean="0"/>
+                <a:t>5</a:t>
+              </a:r>
+              <a:endParaRPr lang="de-DE" dirty="0"/>
+            </a:p>
+          </p:txBody>
+        </p:sp>
+      </p:grpSp>
+      <p:grpSp>
+        <p:nvGrpSpPr>
+          <p:cNvPr id="41" name="Gruppieren 40"/>
+          <p:cNvGrpSpPr/>
+          <p:nvPr/>
+        </p:nvGrpSpPr>
+        <p:grpSpPr>
+          <a:xfrm>
+            <a:off x="2932479" y="2540968"/>
+            <a:ext cx="249117" cy="342900"/>
+            <a:chOff x="1661746" y="3016250"/>
+            <a:chExt cx="1758462" cy="2537921"/>
+          </a:xfrm>
+        </p:grpSpPr>
+        <p:sp>
+          <p:nvSpPr>
+            <p:cNvPr id="42" name="Abgerundetes Rechteck 41"/>
+            <p:cNvSpPr/>
+            <p:nvPr/>
+          </p:nvSpPr>
+          <p:spPr>
+            <a:xfrm>
+              <a:off x="1661746" y="3016250"/>
+              <a:ext cx="1758462" cy="2537921"/>
+            </a:xfrm>
+            <a:prstGeom prst="roundRect">
+              <a:avLst>
+                <a:gd name="adj" fmla="val 13167"/>
+              </a:avLst>
+            </a:prstGeom>
+            <a:ln>
+              <a:solidFill>
+                <a:srgbClr val="05164C"/>
+              </a:solidFill>
+            </a:ln>
+          </p:spPr>
+          <p:style>
+            <a:lnRef idx="2">
+              <a:schemeClr val="dk1"/>
+            </a:lnRef>
+            <a:fillRef idx="1">
+              <a:schemeClr val="lt1"/>
+            </a:fillRef>
+            <a:effectRef idx="0">
+              <a:schemeClr val="dk1"/>
+            </a:effectRef>
+            <a:fontRef idx="minor">
+              <a:schemeClr val="dk1"/>
+            </a:fontRef>
+          </p:style>
+          <p:txBody>
+            <a:bodyPr rtlCol="0" anchor="ctr"/>
+            <a:lstStyle/>
+            <a:p>
+              <a:pPr algn="ctr"/>
+              <a:endParaRPr lang="de-DE"/>
+            </a:p>
+          </p:txBody>
+        </p:sp>
+        <p:sp>
+          <p:nvSpPr>
+            <p:cNvPr id="43" name="Abgerundetes Rechteck 42"/>
+            <p:cNvSpPr/>
+            <p:nvPr/>
+          </p:nvSpPr>
+          <p:spPr>
+            <a:xfrm>
+              <a:off x="1693706" y="3040917"/>
+              <a:ext cx="1694541" cy="2486878"/>
+            </a:xfrm>
+            <a:prstGeom prst="roundRect">
+              <a:avLst>
+                <a:gd name="adj" fmla="val 13167"/>
+              </a:avLst>
+            </a:prstGeom>
+            <a:ln>
+              <a:solidFill>
+                <a:srgbClr val="05164C"/>
+              </a:solidFill>
+            </a:ln>
+          </p:spPr>
+          <p:style>
+            <a:lnRef idx="2">
+              <a:schemeClr val="dk1"/>
+            </a:lnRef>
+            <a:fillRef idx="1">
+              <a:schemeClr val="lt1"/>
+            </a:fillRef>
+            <a:effectRef idx="0">
+              <a:schemeClr val="dk1"/>
+            </a:effectRef>
+            <a:fontRef idx="minor">
+              <a:schemeClr val="dk1"/>
+            </a:fontRef>
+          </p:style>
+          <p:txBody>
+            <a:bodyPr rtlCol="0" anchor="ctr"/>
+            <a:lstStyle/>
+            <a:p>
+              <a:pPr algn="ctr"/>
+              <a:r>
+                <a:rPr lang="de-DE" dirty="0" smtClean="0"/>
+                <a:t>8</a:t>
+              </a:r>
+              <a:endParaRPr lang="de-DE" dirty="0"/>
+            </a:p>
+          </p:txBody>
+        </p:sp>
+      </p:grpSp>
+      <mc:AlternateContent xmlns:mc="http://schemas.openxmlformats.org/markup-compatibility/2006" xmlns:a14="http://schemas.microsoft.com/office/drawing/2010/main">
+        <mc:Choice Requires="a14">
+          <p:sp>
+            <p:nvSpPr>
+              <p:cNvPr id="20" name="Textfeld 19"/>
+              <p:cNvSpPr txBox="1"/>
+              <p:nvPr/>
+            </p:nvSpPr>
+            <p:spPr>
+              <a:xfrm>
+                <a:off x="1336172" y="2491277"/>
+                <a:ext cx="263769" cy="422031"/>
+              </a:xfrm>
+              <a:prstGeom prst="rect">
+                <a:avLst/>
+              </a:prstGeom>
+              <a:noFill/>
+            </p:spPr>
+            <p:txBody>
+              <a:bodyPr wrap="square" rtlCol="0">
+                <a:spAutoFit/>
+              </a:bodyPr>
+              <a:lstStyle/>
+              <a:p>
+                <a:pPr/>
+                <a14:m>
+                  <m:oMathPara xmlns:m="http://schemas.openxmlformats.org/officeDocument/2006/math">
+                    <m:oMathParaPr>
+                      <m:jc m:val="centerGroup"/>
+                    </m:oMathParaPr>
+                    <m:oMath xmlns:m="http://schemas.openxmlformats.org/officeDocument/2006/math">
+                      <m:box>
+                        <m:boxPr>
+                          <m:ctrlPr>
+                            <a:rPr lang="de-DE" i="1" smtClean="0">
+                              <a:latin typeface="Cambria Math" panose="02040503050406030204" pitchFamily="18" charset="0"/>
+                            </a:rPr>
+                          </m:ctrlPr>
+                        </m:boxPr>
+                        <m:e>
+                          <m:argPr>
+                            <m:argSz m:val="-1"/>
+                          </m:argPr>
+                          <m:f>
+                            <m:fPr>
+                              <m:ctrlPr>
+                                <a:rPr lang="de-DE" i="1" smtClean="0">
+                                  <a:latin typeface="Cambria Math" panose="02040503050406030204" pitchFamily="18" charset="0"/>
+                                </a:rPr>
+                              </m:ctrlPr>
+                            </m:fPr>
+                            <m:num>
+                              <m:r>
+                                <a:rPr lang="de-DE" b="0" i="1" smtClean="0">
+                                  <a:latin typeface="Cambria Math" panose="02040503050406030204" pitchFamily="18" charset="0"/>
+                                </a:rPr>
+                                <m:t>1</m:t>
+                              </m:r>
+                            </m:num>
+                            <m:den>
+                              <m:r>
+                                <a:rPr lang="de-DE" b="0" i="1" smtClean="0">
+                                  <a:latin typeface="Cambria Math" panose="02040503050406030204" pitchFamily="18" charset="0"/>
+                                </a:rPr>
+                                <m:t>2</m:t>
+                              </m:r>
+                            </m:den>
+                          </m:f>
+                        </m:e>
+                      </m:box>
+                    </m:oMath>
+                  </m:oMathPara>
+                </a14:m>
+                <a:endParaRPr lang="de-DE" dirty="0" smtClean="0"/>
+              </a:p>
+            </p:txBody>
+          </p:sp>
+        </mc:Choice>
+        <mc:Fallback xmlns="">
+          <p:sp>
+            <p:nvSpPr>
+              <p:cNvPr id="20" name="Textfeld 19"/>
+              <p:cNvSpPr txBox="1">
+                <a:spLocks noRot="1" noChangeAspect="1" noMove="1" noResize="1" noEditPoints="1" noAdjustHandles="1" noChangeArrowheads="1" noChangeShapeType="1" noTextEdit="1"/>
+              </p:cNvSpPr>
+              <p:nvPr/>
+            </p:nvSpPr>
+            <p:spPr>
+              <a:xfrm>
+                <a:off x="1336172" y="2491277"/>
+                <a:ext cx="263769" cy="422031"/>
+              </a:xfrm>
+              <a:prstGeom prst="rect">
+                <a:avLst/>
+              </a:prstGeom>
+              <a:blipFill>
+                <a:blip r:embed="rId4"/>
+                <a:stretch>
+                  <a:fillRect b="-1449"/>
+                </a:stretch>
+              </a:blipFill>
+            </p:spPr>
+            <p:txBody>
+              <a:bodyPr/>
+              <a:lstStyle/>
+              <a:p>
+                <a:r>
+                  <a:rPr lang="de-DE">
+                    <a:noFill/>
+                  </a:rPr>
+                  <a:t> </a:t>
+                </a:r>
+              </a:p>
+            </p:txBody>
+          </p:sp>
+        </mc:Fallback>
+      </mc:AlternateContent>
+      <p:grpSp>
+        <p:nvGrpSpPr>
+          <p:cNvPr id="49" name="Gruppieren 48"/>
+          <p:cNvGrpSpPr/>
+          <p:nvPr/>
+        </p:nvGrpSpPr>
+        <p:grpSpPr>
+          <a:xfrm>
+            <a:off x="3251671" y="2532288"/>
+            <a:ext cx="249117" cy="342900"/>
+            <a:chOff x="1661746" y="3016250"/>
+            <a:chExt cx="1758462" cy="2537921"/>
+          </a:xfrm>
+        </p:grpSpPr>
+        <p:sp>
+          <p:nvSpPr>
+            <p:cNvPr id="50" name="Abgerundetes Rechteck 49"/>
+            <p:cNvSpPr/>
+            <p:nvPr/>
+          </p:nvSpPr>
+          <p:spPr>
+            <a:xfrm>
+              <a:off x="1661746" y="3016250"/>
+              <a:ext cx="1758462" cy="2537921"/>
+            </a:xfrm>
+            <a:prstGeom prst="roundRect">
+              <a:avLst>
+                <a:gd name="adj" fmla="val 13167"/>
+              </a:avLst>
+            </a:prstGeom>
+            <a:ln>
+              <a:solidFill>
+                <a:srgbClr val="05164C"/>
+              </a:solidFill>
+            </a:ln>
+          </p:spPr>
+          <p:style>
+            <a:lnRef idx="2">
+              <a:schemeClr val="dk1"/>
+            </a:lnRef>
+            <a:fillRef idx="1">
+              <a:schemeClr val="lt1"/>
+            </a:fillRef>
+            <a:effectRef idx="0">
+              <a:schemeClr val="dk1"/>
+            </a:effectRef>
+            <a:fontRef idx="minor">
+              <a:schemeClr val="dk1"/>
+            </a:fontRef>
+          </p:style>
+          <p:txBody>
+            <a:bodyPr rtlCol="0" anchor="ctr"/>
+            <a:lstStyle/>
+            <a:p>
+              <a:pPr algn="ctr"/>
+              <a:endParaRPr lang="de-DE"/>
+            </a:p>
+          </p:txBody>
+        </p:sp>
+        <p:sp>
+          <p:nvSpPr>
+            <p:cNvPr id="51" name="Abgerundetes Rechteck 50"/>
+            <p:cNvSpPr/>
+            <p:nvPr/>
+          </p:nvSpPr>
+          <p:spPr>
+            <a:xfrm>
+              <a:off x="1693708" y="3040919"/>
+              <a:ext cx="1694538" cy="2486881"/>
+            </a:xfrm>
+            <a:prstGeom prst="roundRect">
+              <a:avLst>
+                <a:gd name="adj" fmla="val 13167"/>
+              </a:avLst>
+            </a:prstGeom>
+            <a:ln>
+              <a:solidFill>
+                <a:srgbClr val="05164C"/>
+              </a:solidFill>
+            </a:ln>
+          </p:spPr>
+          <p:style>
+            <a:lnRef idx="2">
+              <a:schemeClr val="dk1"/>
+            </a:lnRef>
+            <a:fillRef idx="1">
+              <a:schemeClr val="lt1"/>
+            </a:fillRef>
+            <a:effectRef idx="0">
+              <a:schemeClr val="dk1"/>
+            </a:effectRef>
+            <a:fontRef idx="minor">
+              <a:schemeClr val="dk1"/>
+            </a:fontRef>
+          </p:style>
+          <p:txBody>
+            <a:bodyPr rtlCol="0" anchor="ctr"/>
+            <a:lstStyle/>
+            <a:p>
+              <a:pPr algn="ctr"/>
+              <a:endParaRPr lang="de-DE" dirty="0"/>
+            </a:p>
+          </p:txBody>
+        </p:sp>
+      </p:grpSp>
+      <p:sp>
+        <p:nvSpPr>
+          <p:cNvPr id="44" name="Textfeld 43"/>
+          <p:cNvSpPr txBox="1"/>
+          <p:nvPr/>
+        </p:nvSpPr>
+        <p:spPr>
+          <a:xfrm>
+            <a:off x="3198856" y="2573803"/>
+            <a:ext cx="373454" cy="276999"/>
+          </a:xfrm>
+          <a:prstGeom prst="rect">
+            <a:avLst/>
+          </a:prstGeom>
+          <a:noFill/>
+        </p:spPr>
+        <p:txBody>
+          <a:bodyPr wrap="square" rtlCol="0">
+            <a:spAutoFit/>
+          </a:bodyPr>
+          <a:lstStyle/>
+          <a:p>
+            <a:r>
+              <a:rPr lang="de-DE" sz="1200" dirty="0" smtClean="0"/>
+              <a:t>13</a:t>
+            </a:r>
+            <a:endParaRPr lang="de-DE" sz="1200" dirty="0"/>
+          </a:p>
+        </p:txBody>
+      </p:sp>
+      <p:grpSp>
+        <p:nvGrpSpPr>
+          <p:cNvPr id="53" name="Gruppieren 52"/>
+          <p:cNvGrpSpPr/>
+          <p:nvPr/>
+        </p:nvGrpSpPr>
+        <p:grpSpPr>
+          <a:xfrm>
+            <a:off x="3562720" y="2535126"/>
+            <a:ext cx="249117" cy="342900"/>
+            <a:chOff x="1661746" y="3016250"/>
+            <a:chExt cx="1758462" cy="2537921"/>
+          </a:xfrm>
+        </p:grpSpPr>
+        <p:sp>
+          <p:nvSpPr>
+            <p:cNvPr id="54" name="Abgerundetes Rechteck 53"/>
+            <p:cNvSpPr/>
+            <p:nvPr/>
+          </p:nvSpPr>
+          <p:spPr>
+            <a:xfrm>
+              <a:off x="1661746" y="3016250"/>
+              <a:ext cx="1758462" cy="2537921"/>
+            </a:xfrm>
+            <a:prstGeom prst="roundRect">
+              <a:avLst>
+                <a:gd name="adj" fmla="val 13167"/>
+              </a:avLst>
+            </a:prstGeom>
+            <a:ln>
+              <a:solidFill>
+                <a:srgbClr val="05164C"/>
+              </a:solidFill>
+            </a:ln>
+          </p:spPr>
+          <p:style>
+            <a:lnRef idx="2">
+              <a:schemeClr val="dk1"/>
+            </a:lnRef>
+            <a:fillRef idx="1">
+              <a:schemeClr val="lt1"/>
+            </a:fillRef>
+            <a:effectRef idx="0">
+              <a:schemeClr val="dk1"/>
+            </a:effectRef>
+            <a:fontRef idx="minor">
+              <a:schemeClr val="dk1"/>
+            </a:fontRef>
+          </p:style>
+          <p:txBody>
+            <a:bodyPr rtlCol="0" anchor="ctr"/>
+            <a:lstStyle/>
+            <a:p>
+              <a:pPr algn="ctr"/>
+              <a:endParaRPr lang="de-DE"/>
+            </a:p>
+          </p:txBody>
+        </p:sp>
+        <p:sp>
+          <p:nvSpPr>
+            <p:cNvPr id="55" name="Abgerundetes Rechteck 54"/>
+            <p:cNvSpPr/>
+            <p:nvPr/>
+          </p:nvSpPr>
+          <p:spPr>
+            <a:xfrm>
+              <a:off x="1693708" y="3040919"/>
+              <a:ext cx="1694538" cy="2486881"/>
+            </a:xfrm>
+            <a:prstGeom prst="roundRect">
+              <a:avLst>
+                <a:gd name="adj" fmla="val 13167"/>
+              </a:avLst>
+            </a:prstGeom>
+            <a:ln>
+              <a:solidFill>
+                <a:srgbClr val="05164C"/>
+              </a:solidFill>
+            </a:ln>
+          </p:spPr>
+          <p:style>
+            <a:lnRef idx="2">
+              <a:schemeClr val="dk1"/>
+            </a:lnRef>
+            <a:fillRef idx="1">
+              <a:schemeClr val="lt1"/>
+            </a:fillRef>
+            <a:effectRef idx="0">
+              <a:schemeClr val="dk1"/>
+            </a:effectRef>
+            <a:fontRef idx="minor">
+              <a:schemeClr val="dk1"/>
+            </a:fontRef>
+          </p:style>
+          <p:txBody>
+            <a:bodyPr rtlCol="0" anchor="ctr"/>
+            <a:lstStyle/>
+            <a:p>
+              <a:pPr algn="ctr"/>
+              <a:endParaRPr lang="de-DE" dirty="0"/>
+            </a:p>
+          </p:txBody>
+        </p:sp>
+      </p:grpSp>
+      <p:sp>
+        <p:nvSpPr>
+          <p:cNvPr id="56" name="Textfeld 55"/>
+          <p:cNvSpPr txBox="1"/>
+          <p:nvPr/>
+        </p:nvSpPr>
+        <p:spPr>
+          <a:xfrm>
+            <a:off x="3518048" y="2573803"/>
+            <a:ext cx="373454" cy="276999"/>
+          </a:xfrm>
+          <a:prstGeom prst="rect">
+            <a:avLst/>
+          </a:prstGeom>
+          <a:noFill/>
+        </p:spPr>
+        <p:txBody>
+          <a:bodyPr wrap="square" rtlCol="0">
+            <a:spAutoFit/>
+          </a:bodyPr>
+          <a:lstStyle/>
+          <a:p>
+            <a:r>
+              <a:rPr lang="de-DE" sz="1200" dirty="0" smtClean="0"/>
+              <a:t>20</a:t>
+            </a:r>
+            <a:endParaRPr lang="de-DE" sz="1200" dirty="0"/>
+          </a:p>
+        </p:txBody>
+      </p:sp>
+      <p:sp>
+        <p:nvSpPr>
+          <p:cNvPr id="57" name="Gleichschenkliges Dreieck 56"/>
+          <p:cNvSpPr/>
+          <p:nvPr/>
+        </p:nvSpPr>
+        <p:spPr>
+          <a:xfrm rot="5400000">
+            <a:off x="3879884" y="2626689"/>
+            <a:ext cx="221760" cy="178833"/>
+          </a:xfrm>
+          <a:prstGeom prst="triangle">
+            <a:avLst/>
+          </a:prstGeom>
+          <a:solidFill>
+            <a:srgbClr val="05164C"/>
+          </a:solidFill>
+        </p:spPr>
+        <p:style>
+          <a:lnRef idx="2">
+            <a:schemeClr val="accent1">
+              <a:shade val="50000"/>
+            </a:schemeClr>
+          </a:lnRef>
+          <a:fillRef idx="1">
+            <a:schemeClr val="accent1"/>
+          </a:fillRef>
+          <a:effectRef idx="0">
+            <a:schemeClr val="accent1"/>
+          </a:effectRef>
+          <a:fontRef idx="minor">
+            <a:schemeClr val="lt1"/>
+          </a:fontRef>
+        </p:style>
+        <p:txBody>
+          <a:bodyPr rtlCol="0" anchor="ctr"/>
+          <a:lstStyle/>
+          <a:p>
+            <a:pPr algn="ctr"/>
+            <a:endParaRPr lang="de-DE"/>
+          </a:p>
+        </p:txBody>
+      </p:sp>
+      <p:sp>
+        <p:nvSpPr>
+          <p:cNvPr id="58" name="Gleichschenkliges Dreieck 57"/>
+          <p:cNvSpPr/>
+          <p:nvPr/>
+        </p:nvSpPr>
+        <p:spPr>
+          <a:xfrm rot="16200000">
+            <a:off x="1069552" y="2630459"/>
+            <a:ext cx="221760" cy="178833"/>
+          </a:xfrm>
+          <a:prstGeom prst="triangle">
+            <a:avLst/>
+          </a:prstGeom>
+          <a:solidFill>
+            <a:srgbClr val="05164C"/>
+          </a:solidFill>
+        </p:spPr>
+        <p:style>
+          <a:lnRef idx="2">
+            <a:schemeClr val="accent1">
+              <a:shade val="50000"/>
+            </a:schemeClr>
+          </a:lnRef>
+          <a:fillRef idx="1">
+            <a:schemeClr val="accent1"/>
+          </a:fillRef>
+          <a:effectRef idx="0">
+            <a:schemeClr val="accent1"/>
+          </a:effectRef>
+          <a:fontRef idx="minor">
+            <a:schemeClr val="lt1"/>
+          </a:fontRef>
+        </p:style>
+        <p:txBody>
+          <a:bodyPr rtlCol="0" anchor="ctr"/>
+          <a:lstStyle/>
+          <a:p>
+            <a:pPr algn="ctr"/>
+            <a:endParaRPr lang="de-DE"/>
+          </a:p>
+        </p:txBody>
+      </p:sp>
+      <p:sp>
+        <p:nvSpPr>
+          <p:cNvPr id="45" name="Pfeil in vier Richtungen 44"/>
+          <p:cNvSpPr/>
+          <p:nvPr/>
+        </p:nvSpPr>
+        <p:spPr>
+          <a:xfrm rot="2742484">
+            <a:off x="2343167" y="5351647"/>
+            <a:ext cx="423864" cy="431425"/>
+          </a:xfrm>
+          <a:prstGeom prst="quadArrow">
+            <a:avLst>
+              <a:gd name="adj1" fmla="val 13812"/>
+              <a:gd name="adj2" fmla="val 18643"/>
+              <a:gd name="adj3" fmla="val 17507"/>
+            </a:avLst>
+          </a:prstGeom>
+          <a:solidFill>
+            <a:schemeClr val="bg1"/>
+          </a:solidFill>
+          <a:ln>
+            <a:solidFill>
+              <a:srgbClr val="05164C"/>
+            </a:solidFill>
+          </a:ln>
+        </p:spPr>
+        <p:style>
+          <a:lnRef idx="2">
+            <a:schemeClr val="accent4">
+              <a:shade val="50000"/>
+            </a:schemeClr>
+          </a:lnRef>
+          <a:fillRef idx="1">
+            <a:schemeClr val="accent4"/>
+          </a:fillRef>
+          <a:effectRef idx="0">
+            <a:schemeClr val="accent4"/>
+          </a:effectRef>
+          <a:fontRef idx="minor">
+            <a:schemeClr val="lt1"/>
+          </a:fontRef>
+        </p:style>
+        <p:txBody>
+          <a:bodyPr rtlCol="0" anchor="ctr"/>
+          <a:lstStyle/>
+          <a:p>
+            <a:pPr algn="ctr"/>
+            <a:endParaRPr lang="de-DE"/>
+          </a:p>
+        </p:txBody>
+      </p:sp>
+      <p:grpSp>
+        <p:nvGrpSpPr>
+          <p:cNvPr id="60" name="Gruppieren 59"/>
+          <p:cNvGrpSpPr/>
+          <p:nvPr/>
+        </p:nvGrpSpPr>
+        <p:grpSpPr>
+          <a:xfrm>
+            <a:off x="4273664" y="2539184"/>
+            <a:ext cx="249117" cy="342900"/>
+            <a:chOff x="1661746" y="3016250"/>
+            <a:chExt cx="1758462" cy="2537921"/>
+          </a:xfrm>
+        </p:grpSpPr>
+        <p:sp>
+          <p:nvSpPr>
+            <p:cNvPr id="61" name="Abgerundetes Rechteck 60"/>
+            <p:cNvSpPr/>
+            <p:nvPr/>
+          </p:nvSpPr>
+          <p:spPr>
+            <a:xfrm>
+              <a:off x="1661746" y="3016250"/>
+              <a:ext cx="1758462" cy="2537921"/>
+            </a:xfrm>
+            <a:prstGeom prst="roundRect">
+              <a:avLst>
+                <a:gd name="adj" fmla="val 13167"/>
+              </a:avLst>
+            </a:prstGeom>
+            <a:ln>
+              <a:solidFill>
+                <a:srgbClr val="05164C"/>
+              </a:solidFill>
+            </a:ln>
+          </p:spPr>
+          <p:style>
+            <a:lnRef idx="2">
+              <a:schemeClr val="dk1"/>
+            </a:lnRef>
+            <a:fillRef idx="1">
+              <a:schemeClr val="lt1"/>
+            </a:fillRef>
+            <a:effectRef idx="0">
+              <a:schemeClr val="dk1"/>
+            </a:effectRef>
+            <a:fontRef idx="minor">
+              <a:schemeClr val="dk1"/>
+            </a:fontRef>
+          </p:style>
+          <p:txBody>
+            <a:bodyPr rtlCol="0" anchor="ctr"/>
+            <a:lstStyle/>
+            <a:p>
+              <a:pPr algn="ctr"/>
+              <a:endParaRPr lang="de-DE"/>
+            </a:p>
+          </p:txBody>
+        </p:sp>
+        <p:sp>
+          <p:nvSpPr>
+            <p:cNvPr id="62" name="Abgerundetes Rechteck 61"/>
+            <p:cNvSpPr/>
+            <p:nvPr/>
+          </p:nvSpPr>
+          <p:spPr>
+            <a:xfrm>
+              <a:off x="1693708" y="3040919"/>
+              <a:ext cx="1694538" cy="2486881"/>
+            </a:xfrm>
+            <a:prstGeom prst="roundRect">
+              <a:avLst>
+                <a:gd name="adj" fmla="val 13167"/>
+              </a:avLst>
+            </a:prstGeom>
+            <a:ln>
+              <a:solidFill>
+                <a:srgbClr val="05164C"/>
+              </a:solidFill>
+            </a:ln>
+          </p:spPr>
+          <p:style>
+            <a:lnRef idx="2">
+              <a:schemeClr val="dk1"/>
+            </a:lnRef>
+            <a:fillRef idx="1">
+              <a:schemeClr val="lt1"/>
+            </a:fillRef>
+            <a:effectRef idx="0">
+              <a:schemeClr val="dk1"/>
+            </a:effectRef>
+            <a:fontRef idx="minor">
+              <a:schemeClr val="dk1"/>
+            </a:fontRef>
+          </p:style>
+          <p:txBody>
+            <a:bodyPr rtlCol="0" anchor="ctr"/>
+            <a:lstStyle/>
+            <a:p>
+              <a:pPr algn="ctr"/>
+              <a:endParaRPr lang="de-DE" dirty="0"/>
+            </a:p>
+          </p:txBody>
+        </p:sp>
+      </p:grpSp>
+      <p:sp>
+        <p:nvSpPr>
+          <p:cNvPr id="63" name="Textfeld 62"/>
+          <p:cNvSpPr txBox="1"/>
+          <p:nvPr/>
+        </p:nvSpPr>
+        <p:spPr>
+          <a:xfrm>
+            <a:off x="4233401" y="2572019"/>
+            <a:ext cx="373454" cy="276999"/>
+          </a:xfrm>
+          <a:prstGeom prst="rect">
+            <a:avLst/>
+          </a:prstGeom>
+          <a:noFill/>
+        </p:spPr>
+        <p:txBody>
+          <a:bodyPr wrap="square" rtlCol="0">
+            <a:spAutoFit/>
+          </a:bodyPr>
+          <a:lstStyle/>
+          <a:p>
+            <a:r>
+              <a:rPr lang="de-DE" sz="1200" dirty="0"/>
+              <a:t>4</a:t>
+            </a:r>
+            <a:r>
+              <a:rPr lang="de-DE" sz="1200" dirty="0" smtClean="0"/>
+              <a:t>0</a:t>
+            </a:r>
+            <a:endParaRPr lang="de-DE" sz="1200" dirty="0"/>
+          </a:p>
+        </p:txBody>
+      </p:sp>
+      <p:grpSp>
+        <p:nvGrpSpPr>
+          <p:cNvPr id="64" name="Gruppieren 63"/>
+          <p:cNvGrpSpPr/>
+          <p:nvPr/>
+        </p:nvGrpSpPr>
+        <p:grpSpPr>
+          <a:xfrm>
+            <a:off x="4616111" y="2541080"/>
+            <a:ext cx="249117" cy="342900"/>
+            <a:chOff x="1661746" y="3016250"/>
+            <a:chExt cx="1758462" cy="2537921"/>
+          </a:xfrm>
+        </p:grpSpPr>
+        <p:sp>
+          <p:nvSpPr>
+            <p:cNvPr id="65" name="Abgerundetes Rechteck 64"/>
+            <p:cNvSpPr/>
+            <p:nvPr/>
+          </p:nvSpPr>
+          <p:spPr>
+            <a:xfrm>
+              <a:off x="1661746" y="3016250"/>
+              <a:ext cx="1758462" cy="2537921"/>
+            </a:xfrm>
+            <a:prstGeom prst="roundRect">
+              <a:avLst>
+                <a:gd name="adj" fmla="val 13167"/>
+              </a:avLst>
+            </a:prstGeom>
+            <a:ln>
+              <a:solidFill>
+                <a:srgbClr val="05164C"/>
+              </a:solidFill>
+            </a:ln>
+          </p:spPr>
+          <p:style>
+            <a:lnRef idx="2">
+              <a:schemeClr val="dk1"/>
+            </a:lnRef>
+            <a:fillRef idx="1">
+              <a:schemeClr val="lt1"/>
+            </a:fillRef>
+            <a:effectRef idx="0">
+              <a:schemeClr val="dk1"/>
+            </a:effectRef>
+            <a:fontRef idx="minor">
+              <a:schemeClr val="dk1"/>
+            </a:fontRef>
+          </p:style>
+          <p:txBody>
+            <a:bodyPr rtlCol="0" anchor="ctr"/>
+            <a:lstStyle/>
+            <a:p>
+              <a:pPr algn="ctr"/>
+              <a:endParaRPr lang="de-DE"/>
+            </a:p>
+          </p:txBody>
+        </p:sp>
+        <p:sp>
+          <p:nvSpPr>
+            <p:cNvPr id="66" name="Abgerundetes Rechteck 65"/>
+            <p:cNvSpPr/>
+            <p:nvPr/>
+          </p:nvSpPr>
+          <p:spPr>
+            <a:xfrm>
+              <a:off x="1693708" y="3040919"/>
+              <a:ext cx="1694538" cy="2486881"/>
+            </a:xfrm>
+            <a:prstGeom prst="roundRect">
+              <a:avLst>
+                <a:gd name="adj" fmla="val 13167"/>
+              </a:avLst>
+            </a:prstGeom>
+            <a:ln>
+              <a:solidFill>
+                <a:srgbClr val="05164C"/>
+              </a:solidFill>
+            </a:ln>
+          </p:spPr>
+          <p:style>
+            <a:lnRef idx="2">
+              <a:schemeClr val="dk1"/>
+            </a:lnRef>
+            <a:fillRef idx="1">
+              <a:schemeClr val="lt1"/>
+            </a:fillRef>
+            <a:effectRef idx="0">
+              <a:schemeClr val="dk1"/>
+            </a:effectRef>
+            <a:fontRef idx="minor">
+              <a:schemeClr val="dk1"/>
+            </a:fontRef>
+          </p:style>
+          <p:txBody>
+            <a:bodyPr rtlCol="0" anchor="ctr"/>
+            <a:lstStyle/>
+            <a:p>
+              <a:pPr algn="ctr"/>
+              <a:endParaRPr lang="de-DE" dirty="0"/>
+            </a:p>
+          </p:txBody>
+        </p:sp>
+      </p:grpSp>
+      <p:sp>
+        <p:nvSpPr>
+          <p:cNvPr id="67" name="Textfeld 66"/>
+          <p:cNvSpPr txBox="1"/>
+          <p:nvPr/>
+        </p:nvSpPr>
+        <p:spPr>
+          <a:xfrm>
+            <a:off x="4540680" y="2565123"/>
+            <a:ext cx="492834" cy="276999"/>
+          </a:xfrm>
+          <a:prstGeom prst="rect">
+            <a:avLst/>
+          </a:prstGeom>
+          <a:noFill/>
+        </p:spPr>
+        <p:txBody>
+          <a:bodyPr wrap="square" rtlCol="0">
+            <a:spAutoFit/>
+          </a:bodyPr>
+          <a:lstStyle/>
+          <a:p>
+            <a:r>
+              <a:rPr lang="de-DE" sz="1200" dirty="0" smtClean="0"/>
+              <a:t>100</a:t>
+            </a:r>
+            <a:endParaRPr lang="de-DE" sz="1200" dirty="0"/>
+          </a:p>
+        </p:txBody>
+      </p:sp>
+    </p:spTree>
+    <p:extLst>
+      <p:ext uri="{BB962C8B-B14F-4D97-AF65-F5344CB8AC3E}">
+        <p14:creationId xmlns:p14="http://schemas.microsoft.com/office/powerpoint/2010/main" val="187158267"/>
       </p:ext>
     </p:extLst>
   </p:cSld>

--- a/lhind-agilportal/Projektdateien/LHIND Agile Portal.pptx
+++ b/lhind-agilportal/Projektdateien/LHIND Agile Portal.pptx
@@ -4751,6 +4751,14 @@
           <a:prstGeom prst="rightArrow">
             <a:avLst/>
           </a:prstGeom>
+          <a:solidFill>
+            <a:srgbClr val="FFA809"/>
+          </a:solidFill>
+          <a:ln>
+            <a:solidFill>
+              <a:srgbClr val="FFA809"/>
+            </a:solidFill>
+          </a:ln>
         </p:spPr>
         <p:style>
           <a:lnRef idx="0">

--- a/lhind-agilportal/Projektdateien/LHIND Agile Portal.pptx
+++ b/lhind-agilportal/Projektdateien/LHIND Agile Portal.pptx
@@ -247,7 +247,7 @@
           <a:p>
             <a:fld id="{9FD00F72-D6BC-4297-A743-D567BFEB5D2A}" type="datetimeFigureOut">
               <a:rPr lang="de-DE" smtClean="0"/>
-              <a:t>07.12.2018</a:t>
+              <a:t>10.12.2018</a:t>
             </a:fld>
             <a:endParaRPr lang="de-DE"/>
           </a:p>
@@ -417,7 +417,7 @@
           <a:p>
             <a:fld id="{9FD00F72-D6BC-4297-A743-D567BFEB5D2A}" type="datetimeFigureOut">
               <a:rPr lang="de-DE" smtClean="0"/>
-              <a:t>07.12.2018</a:t>
+              <a:t>10.12.2018</a:t>
             </a:fld>
             <a:endParaRPr lang="de-DE"/>
           </a:p>
@@ -597,7 +597,7 @@
           <a:p>
             <a:fld id="{9FD00F72-D6BC-4297-A743-D567BFEB5D2A}" type="datetimeFigureOut">
               <a:rPr lang="de-DE" smtClean="0"/>
-              <a:t>07.12.2018</a:t>
+              <a:t>10.12.2018</a:t>
             </a:fld>
             <a:endParaRPr lang="de-DE"/>
           </a:p>
@@ -767,7 +767,7 @@
           <a:p>
             <a:fld id="{9FD00F72-D6BC-4297-A743-D567BFEB5D2A}" type="datetimeFigureOut">
               <a:rPr lang="de-DE" smtClean="0"/>
-              <a:t>07.12.2018</a:t>
+              <a:t>10.12.2018</a:t>
             </a:fld>
             <a:endParaRPr lang="de-DE"/>
           </a:p>
@@ -1013,7 +1013,7 @@
           <a:p>
             <a:fld id="{9FD00F72-D6BC-4297-A743-D567BFEB5D2A}" type="datetimeFigureOut">
               <a:rPr lang="de-DE" smtClean="0"/>
-              <a:t>07.12.2018</a:t>
+              <a:t>10.12.2018</a:t>
             </a:fld>
             <a:endParaRPr lang="de-DE"/>
           </a:p>
@@ -1245,7 +1245,7 @@
           <a:p>
             <a:fld id="{9FD00F72-D6BC-4297-A743-D567BFEB5D2A}" type="datetimeFigureOut">
               <a:rPr lang="de-DE" smtClean="0"/>
-              <a:t>07.12.2018</a:t>
+              <a:t>10.12.2018</a:t>
             </a:fld>
             <a:endParaRPr lang="de-DE"/>
           </a:p>
@@ -1612,7 +1612,7 @@
           <a:p>
             <a:fld id="{9FD00F72-D6BC-4297-A743-D567BFEB5D2A}" type="datetimeFigureOut">
               <a:rPr lang="de-DE" smtClean="0"/>
-              <a:t>07.12.2018</a:t>
+              <a:t>10.12.2018</a:t>
             </a:fld>
             <a:endParaRPr lang="de-DE"/>
           </a:p>
@@ -1730,7 +1730,7 @@
           <a:p>
             <a:fld id="{9FD00F72-D6BC-4297-A743-D567BFEB5D2A}" type="datetimeFigureOut">
               <a:rPr lang="de-DE" smtClean="0"/>
-              <a:t>07.12.2018</a:t>
+              <a:t>10.12.2018</a:t>
             </a:fld>
             <a:endParaRPr lang="de-DE"/>
           </a:p>
@@ -1825,7 +1825,7 @@
           <a:p>
             <a:fld id="{9FD00F72-D6BC-4297-A743-D567BFEB5D2A}" type="datetimeFigureOut">
               <a:rPr lang="de-DE" smtClean="0"/>
-              <a:t>07.12.2018</a:t>
+              <a:t>10.12.2018</a:t>
             </a:fld>
             <a:endParaRPr lang="de-DE"/>
           </a:p>
@@ -2102,7 +2102,7 @@
           <a:p>
             <a:fld id="{9FD00F72-D6BC-4297-A743-D567BFEB5D2A}" type="datetimeFigureOut">
               <a:rPr lang="de-DE" smtClean="0"/>
-              <a:t>07.12.2018</a:t>
+              <a:t>10.12.2018</a:t>
             </a:fld>
             <a:endParaRPr lang="de-DE"/>
           </a:p>
@@ -2355,7 +2355,7 @@
           <a:p>
             <a:fld id="{9FD00F72-D6BC-4297-A743-D567BFEB5D2A}" type="datetimeFigureOut">
               <a:rPr lang="de-DE" smtClean="0"/>
-              <a:t>07.12.2018</a:t>
+              <a:t>10.12.2018</a:t>
             </a:fld>
             <a:endParaRPr lang="de-DE"/>
           </a:p>
@@ -2568,7 +2568,7 @@
           <a:p>
             <a:fld id="{9FD00F72-D6BC-4297-A743-D567BFEB5D2A}" type="datetimeFigureOut">
               <a:rPr lang="de-DE" smtClean="0"/>
-              <a:t>07.12.2018</a:t>
+              <a:t>10.12.2018</a:t>
             </a:fld>
             <a:endParaRPr lang="de-DE"/>
           </a:p>

--- a/lhind-agilportal/Projektdateien/LHIND Agile Portal.pptx
+++ b/lhind-agilportal/Projektdateien/LHIND Agile Portal.pptx
@@ -247,7 +247,7 @@
           <a:p>
             <a:fld id="{9FD00F72-D6BC-4297-A743-D567BFEB5D2A}" type="datetimeFigureOut">
               <a:rPr lang="de-DE" smtClean="0"/>
-              <a:t>10.12.2018</a:t>
+              <a:t>17.12.2018</a:t>
             </a:fld>
             <a:endParaRPr lang="de-DE"/>
           </a:p>
@@ -417,7 +417,7 @@
           <a:p>
             <a:fld id="{9FD00F72-D6BC-4297-A743-D567BFEB5D2A}" type="datetimeFigureOut">
               <a:rPr lang="de-DE" smtClean="0"/>
-              <a:t>10.12.2018</a:t>
+              <a:t>17.12.2018</a:t>
             </a:fld>
             <a:endParaRPr lang="de-DE"/>
           </a:p>
@@ -597,7 +597,7 @@
           <a:p>
             <a:fld id="{9FD00F72-D6BC-4297-A743-D567BFEB5D2A}" type="datetimeFigureOut">
               <a:rPr lang="de-DE" smtClean="0"/>
-              <a:t>10.12.2018</a:t>
+              <a:t>17.12.2018</a:t>
             </a:fld>
             <a:endParaRPr lang="de-DE"/>
           </a:p>
@@ -767,7 +767,7 @@
           <a:p>
             <a:fld id="{9FD00F72-D6BC-4297-A743-D567BFEB5D2A}" type="datetimeFigureOut">
               <a:rPr lang="de-DE" smtClean="0"/>
-              <a:t>10.12.2018</a:t>
+              <a:t>17.12.2018</a:t>
             </a:fld>
             <a:endParaRPr lang="de-DE"/>
           </a:p>
@@ -1013,7 +1013,7 @@
           <a:p>
             <a:fld id="{9FD00F72-D6BC-4297-A743-D567BFEB5D2A}" type="datetimeFigureOut">
               <a:rPr lang="de-DE" smtClean="0"/>
-              <a:t>10.12.2018</a:t>
+              <a:t>17.12.2018</a:t>
             </a:fld>
             <a:endParaRPr lang="de-DE"/>
           </a:p>
@@ -1245,7 +1245,7 @@
           <a:p>
             <a:fld id="{9FD00F72-D6BC-4297-A743-D567BFEB5D2A}" type="datetimeFigureOut">
               <a:rPr lang="de-DE" smtClean="0"/>
-              <a:t>10.12.2018</a:t>
+              <a:t>17.12.2018</a:t>
             </a:fld>
             <a:endParaRPr lang="de-DE"/>
           </a:p>
@@ -1612,7 +1612,7 @@
           <a:p>
             <a:fld id="{9FD00F72-D6BC-4297-A743-D567BFEB5D2A}" type="datetimeFigureOut">
               <a:rPr lang="de-DE" smtClean="0"/>
-              <a:t>10.12.2018</a:t>
+              <a:t>17.12.2018</a:t>
             </a:fld>
             <a:endParaRPr lang="de-DE"/>
           </a:p>
@@ -1730,7 +1730,7 @@
           <a:p>
             <a:fld id="{9FD00F72-D6BC-4297-A743-D567BFEB5D2A}" type="datetimeFigureOut">
               <a:rPr lang="de-DE" smtClean="0"/>
-              <a:t>10.12.2018</a:t>
+              <a:t>17.12.2018</a:t>
             </a:fld>
             <a:endParaRPr lang="de-DE"/>
           </a:p>
@@ -1825,7 +1825,7 @@
           <a:p>
             <a:fld id="{9FD00F72-D6BC-4297-A743-D567BFEB5D2A}" type="datetimeFigureOut">
               <a:rPr lang="de-DE" smtClean="0"/>
-              <a:t>10.12.2018</a:t>
+              <a:t>17.12.2018</a:t>
             </a:fld>
             <a:endParaRPr lang="de-DE"/>
           </a:p>
@@ -2102,7 +2102,7 @@
           <a:p>
             <a:fld id="{9FD00F72-D6BC-4297-A743-D567BFEB5D2A}" type="datetimeFigureOut">
               <a:rPr lang="de-DE" smtClean="0"/>
-              <a:t>10.12.2018</a:t>
+              <a:t>17.12.2018</a:t>
             </a:fld>
             <a:endParaRPr lang="de-DE"/>
           </a:p>
@@ -2355,7 +2355,7 @@
           <a:p>
             <a:fld id="{9FD00F72-D6BC-4297-A743-D567BFEB5D2A}" type="datetimeFigureOut">
               <a:rPr lang="de-DE" smtClean="0"/>
-              <a:t>10.12.2018</a:t>
+              <a:t>17.12.2018</a:t>
             </a:fld>
             <a:endParaRPr lang="de-DE"/>
           </a:p>
@@ -2568,7 +2568,7 @@
           <a:p>
             <a:fld id="{9FD00F72-D6BC-4297-A743-D567BFEB5D2A}" type="datetimeFigureOut">
               <a:rPr lang="de-DE" smtClean="0"/>
-              <a:t>10.12.2018</a:t>
+              <a:t>17.12.2018</a:t>
             </a:fld>
             <a:endParaRPr lang="de-DE"/>
           </a:p>
@@ -3645,6 +3645,240 @@
           </a:p>
         </p:txBody>
       </p:sp>
+      <p:sp>
+        <p:nvSpPr>
+          <p:cNvPr id="13" name="Rechteck 12"/>
+          <p:cNvSpPr/>
+          <p:nvPr/>
+        </p:nvSpPr>
+        <p:spPr>
+          <a:xfrm>
+            <a:off x="7625861" y="1690688"/>
+            <a:ext cx="3059723" cy="703385"/>
+          </a:xfrm>
+          <a:prstGeom prst="rect">
+            <a:avLst/>
+          </a:prstGeom>
+          <a:solidFill>
+            <a:srgbClr val="05164C"/>
+          </a:solidFill>
+        </p:spPr>
+        <p:style>
+          <a:lnRef idx="2">
+            <a:schemeClr val="accent1">
+              <a:shade val="50000"/>
+            </a:schemeClr>
+          </a:lnRef>
+          <a:fillRef idx="1">
+            <a:schemeClr val="accent1"/>
+          </a:fillRef>
+          <a:effectRef idx="0">
+            <a:schemeClr val="accent1"/>
+          </a:effectRef>
+          <a:fontRef idx="minor">
+            <a:schemeClr val="lt1"/>
+          </a:fontRef>
+        </p:style>
+        <p:txBody>
+          <a:bodyPr rtlCol="0" anchor="ctr"/>
+          <a:lstStyle/>
+          <a:p>
+            <a:pPr algn="ctr"/>
+            <a:r>
+              <a:rPr lang="de-DE" dirty="0" smtClean="0"/>
+              <a:t>LHIND Agile Portal</a:t>
+            </a:r>
+            <a:endParaRPr lang="de-DE" dirty="0"/>
+          </a:p>
+        </p:txBody>
+      </p:sp>
+      <p:sp>
+        <p:nvSpPr>
+          <p:cNvPr id="17" name="Interaktive Schaltfläche: Start 16">
+            <a:hlinkClick r:id="" action="ppaction://noaction" highlightClick="1"/>
+          </p:cNvPr>
+          <p:cNvSpPr/>
+          <p:nvPr/>
+        </p:nvSpPr>
+        <p:spPr>
+          <a:xfrm>
+            <a:off x="8704385" y="5741377"/>
+            <a:ext cx="993532" cy="386863"/>
+          </a:xfrm>
+          <a:prstGeom prst="actionButtonHome">
+            <a:avLst/>
+          </a:prstGeom>
+          <a:noFill/>
+          <a:ln>
+            <a:solidFill>
+              <a:srgbClr val="05164C"/>
+            </a:solidFill>
+          </a:ln>
+        </p:spPr>
+        <p:style>
+          <a:lnRef idx="2">
+            <a:schemeClr val="accent1"/>
+          </a:lnRef>
+          <a:fillRef idx="1">
+            <a:schemeClr val="lt1"/>
+          </a:fillRef>
+          <a:effectRef idx="0">
+            <a:schemeClr val="accent1"/>
+          </a:effectRef>
+          <a:fontRef idx="minor">
+            <a:schemeClr val="dk1"/>
+          </a:fontRef>
+        </p:style>
+        <p:txBody>
+          <a:bodyPr rtlCol="0" anchor="ctr"/>
+          <a:lstStyle/>
+          <a:p>
+            <a:pPr algn="ctr"/>
+            <a:endParaRPr lang="de-DE"/>
+          </a:p>
+        </p:txBody>
+      </p:sp>
+      <p:sp>
+        <p:nvSpPr>
+          <p:cNvPr id="18" name="Interaktive Schaltfläche: Zurückkehren 17">
+            <a:hlinkClick r:id="" action="ppaction://noaction" highlightClick="1"/>
+          </p:cNvPr>
+          <p:cNvSpPr/>
+          <p:nvPr/>
+        </p:nvSpPr>
+        <p:spPr>
+          <a:xfrm rot="16200000">
+            <a:off x="9998319" y="5440974"/>
+            <a:ext cx="386863" cy="987667"/>
+          </a:xfrm>
+          <a:prstGeom prst="actionButtonReturn">
+            <a:avLst/>
+          </a:prstGeom>
+          <a:noFill/>
+          <a:ln>
+            <a:solidFill>
+              <a:srgbClr val="05164C"/>
+            </a:solidFill>
+          </a:ln>
+        </p:spPr>
+        <p:style>
+          <a:lnRef idx="2">
+            <a:schemeClr val="accent1"/>
+          </a:lnRef>
+          <a:fillRef idx="1">
+            <a:schemeClr val="lt1"/>
+          </a:fillRef>
+          <a:effectRef idx="0">
+            <a:schemeClr val="accent1"/>
+          </a:effectRef>
+          <a:fontRef idx="minor">
+            <a:schemeClr val="dk1"/>
+          </a:fontRef>
+        </p:style>
+        <p:txBody>
+          <a:bodyPr rtlCol="0" anchor="ctr"/>
+          <a:lstStyle/>
+          <a:p>
+            <a:pPr algn="ctr"/>
+            <a:endParaRPr lang="de-DE"/>
+          </a:p>
+        </p:txBody>
+      </p:sp>
+      <p:sp>
+        <p:nvSpPr>
+          <p:cNvPr id="19" name="Interaktive Schaltfläche: Informationen 18">
+            <a:hlinkClick r:id="" action="ppaction://noaction" highlightClick="1"/>
+          </p:cNvPr>
+          <p:cNvSpPr/>
+          <p:nvPr/>
+        </p:nvSpPr>
+        <p:spPr>
+          <a:xfrm>
+            <a:off x="7625859" y="5741376"/>
+            <a:ext cx="1078525" cy="386864"/>
+          </a:xfrm>
+          <a:prstGeom prst="actionButtonInformation">
+            <a:avLst/>
+          </a:prstGeom>
+          <a:noFill/>
+          <a:ln>
+            <a:solidFill>
+              <a:srgbClr val="05164C"/>
+            </a:solidFill>
+          </a:ln>
+        </p:spPr>
+        <p:style>
+          <a:lnRef idx="2">
+            <a:schemeClr val="accent1">
+              <a:shade val="50000"/>
+            </a:schemeClr>
+          </a:lnRef>
+          <a:fillRef idx="1">
+            <a:schemeClr val="accent1"/>
+          </a:fillRef>
+          <a:effectRef idx="0">
+            <a:schemeClr val="accent1"/>
+          </a:effectRef>
+          <a:fontRef idx="minor">
+            <a:schemeClr val="lt1"/>
+          </a:fontRef>
+        </p:style>
+        <p:txBody>
+          <a:bodyPr rtlCol="0" anchor="ctr"/>
+          <a:lstStyle/>
+          <a:p>
+            <a:pPr algn="ctr"/>
+            <a:endParaRPr lang="de-DE"/>
+          </a:p>
+        </p:txBody>
+      </p:sp>
+      <p:sp>
+        <p:nvSpPr>
+          <p:cNvPr id="20" name="Legende mit Linie 1 19"/>
+          <p:cNvSpPr/>
+          <p:nvPr/>
+        </p:nvSpPr>
+        <p:spPr>
+          <a:xfrm>
+            <a:off x="5846885" y="5134708"/>
+            <a:ext cx="870439" cy="465992"/>
+          </a:xfrm>
+          <a:prstGeom prst="borderCallout1">
+            <a:avLst>
+              <a:gd name="adj1" fmla="val 52712"/>
+              <a:gd name="adj2" fmla="val 102736"/>
+              <a:gd name="adj3" fmla="val 163444"/>
+              <a:gd name="adj4" fmla="val 216354"/>
+            </a:avLst>
+          </a:prstGeom>
+        </p:spPr>
+        <p:style>
+          <a:lnRef idx="2">
+            <a:schemeClr val="dk1"/>
+          </a:lnRef>
+          <a:fillRef idx="1">
+            <a:schemeClr val="lt1"/>
+          </a:fillRef>
+          <a:effectRef idx="0">
+            <a:schemeClr val="dk1"/>
+          </a:effectRef>
+          <a:fontRef idx="minor">
+            <a:schemeClr val="dk1"/>
+          </a:fontRef>
+        </p:style>
+        <p:txBody>
+          <a:bodyPr rtlCol="0" anchor="ctr"/>
+          <a:lstStyle/>
+          <a:p>
+            <a:pPr algn="ctr"/>
+            <a:r>
+              <a:rPr lang="de-DE" dirty="0" err="1" smtClean="0"/>
+              <a:t>footer</a:t>
+            </a:r>
+            <a:endParaRPr lang="de-DE" dirty="0"/>
+          </a:p>
+        </p:txBody>
+      </p:sp>
     </p:spTree>
     <p:extLst>
       <p:ext uri="{BB962C8B-B14F-4D97-AF65-F5344CB8AC3E}">

--- a/lhind-agilportal/Projektdateien/LHIND Agile Portal.pptx
+++ b/lhind-agilportal/Projektdateien/LHIND Agile Portal.pptx
@@ -247,7 +247,7 @@
           <a:p>
             <a:fld id="{9FD00F72-D6BC-4297-A743-D567BFEB5D2A}" type="datetimeFigureOut">
               <a:rPr lang="de-DE" smtClean="0"/>
-              <a:t>17.12.2018</a:t>
+              <a:t>20.12.2018</a:t>
             </a:fld>
             <a:endParaRPr lang="de-DE"/>
           </a:p>
@@ -417,7 +417,7 @@
           <a:p>
             <a:fld id="{9FD00F72-D6BC-4297-A743-D567BFEB5D2A}" type="datetimeFigureOut">
               <a:rPr lang="de-DE" smtClean="0"/>
-              <a:t>17.12.2018</a:t>
+              <a:t>20.12.2018</a:t>
             </a:fld>
             <a:endParaRPr lang="de-DE"/>
           </a:p>
@@ -597,7 +597,7 @@
           <a:p>
             <a:fld id="{9FD00F72-D6BC-4297-A743-D567BFEB5D2A}" type="datetimeFigureOut">
               <a:rPr lang="de-DE" smtClean="0"/>
-              <a:t>17.12.2018</a:t>
+              <a:t>20.12.2018</a:t>
             </a:fld>
             <a:endParaRPr lang="de-DE"/>
           </a:p>
@@ -767,7 +767,7 @@
           <a:p>
             <a:fld id="{9FD00F72-D6BC-4297-A743-D567BFEB5D2A}" type="datetimeFigureOut">
               <a:rPr lang="de-DE" smtClean="0"/>
-              <a:t>17.12.2018</a:t>
+              <a:t>20.12.2018</a:t>
             </a:fld>
             <a:endParaRPr lang="de-DE"/>
           </a:p>
@@ -1013,7 +1013,7 @@
           <a:p>
             <a:fld id="{9FD00F72-D6BC-4297-A743-D567BFEB5D2A}" type="datetimeFigureOut">
               <a:rPr lang="de-DE" smtClean="0"/>
-              <a:t>17.12.2018</a:t>
+              <a:t>20.12.2018</a:t>
             </a:fld>
             <a:endParaRPr lang="de-DE"/>
           </a:p>
@@ -1245,7 +1245,7 @@
           <a:p>
             <a:fld id="{9FD00F72-D6BC-4297-A743-D567BFEB5D2A}" type="datetimeFigureOut">
               <a:rPr lang="de-DE" smtClean="0"/>
-              <a:t>17.12.2018</a:t>
+              <a:t>20.12.2018</a:t>
             </a:fld>
             <a:endParaRPr lang="de-DE"/>
           </a:p>
@@ -1612,7 +1612,7 @@
           <a:p>
             <a:fld id="{9FD00F72-D6BC-4297-A743-D567BFEB5D2A}" type="datetimeFigureOut">
               <a:rPr lang="de-DE" smtClean="0"/>
-              <a:t>17.12.2018</a:t>
+              <a:t>20.12.2018</a:t>
             </a:fld>
             <a:endParaRPr lang="de-DE"/>
           </a:p>
@@ -1730,7 +1730,7 @@
           <a:p>
             <a:fld id="{9FD00F72-D6BC-4297-A743-D567BFEB5D2A}" type="datetimeFigureOut">
               <a:rPr lang="de-DE" smtClean="0"/>
-              <a:t>17.12.2018</a:t>
+              <a:t>20.12.2018</a:t>
             </a:fld>
             <a:endParaRPr lang="de-DE"/>
           </a:p>
@@ -1825,7 +1825,7 @@
           <a:p>
             <a:fld id="{9FD00F72-D6BC-4297-A743-D567BFEB5D2A}" type="datetimeFigureOut">
               <a:rPr lang="de-DE" smtClean="0"/>
-              <a:t>17.12.2018</a:t>
+              <a:t>20.12.2018</a:t>
             </a:fld>
             <a:endParaRPr lang="de-DE"/>
           </a:p>
@@ -2102,7 +2102,7 @@
           <a:p>
             <a:fld id="{9FD00F72-D6BC-4297-A743-D567BFEB5D2A}" type="datetimeFigureOut">
               <a:rPr lang="de-DE" smtClean="0"/>
-              <a:t>17.12.2018</a:t>
+              <a:t>20.12.2018</a:t>
             </a:fld>
             <a:endParaRPr lang="de-DE"/>
           </a:p>
@@ -2355,7 +2355,7 @@
           <a:p>
             <a:fld id="{9FD00F72-D6BC-4297-A743-D567BFEB5D2A}" type="datetimeFigureOut">
               <a:rPr lang="de-DE" smtClean="0"/>
-              <a:t>17.12.2018</a:t>
+              <a:t>20.12.2018</a:t>
             </a:fld>
             <a:endParaRPr lang="de-DE"/>
           </a:p>
@@ -2568,7 +2568,7 @@
           <a:p>
             <a:fld id="{9FD00F72-D6BC-4297-A743-D567BFEB5D2A}" type="datetimeFigureOut">
               <a:rPr lang="de-DE" smtClean="0"/>
-              <a:t>17.12.2018</a:t>
+              <a:t>20.12.2018</a:t>
             </a:fld>
             <a:endParaRPr lang="de-DE"/>
           </a:p>
@@ -3273,10 +3273,14 @@
           <a:p>
             <a:pPr algn="ctr"/>
             <a:r>
-              <a:rPr lang="de-DE" dirty="0" smtClean="0"/>
+              <a:rPr lang="de-DE" dirty="0" smtClean="0">
+                <a:latin typeface="Lufthansa Head Light" panose="020B0404040000000004" pitchFamily="34" charset="0"/>
+              </a:rPr>
               <a:t>LHIND Agile Portal</a:t>
             </a:r>
-            <a:endParaRPr lang="de-DE" dirty="0"/>
+            <a:endParaRPr lang="de-DE" dirty="0">
+              <a:latin typeface="Lufthansa Head Light" panose="020B0404040000000004" pitchFamily="34" charset="0"/>
+            </a:endParaRPr>
           </a:p>
         </p:txBody>
       </p:sp>
@@ -5165,7 +5169,7 @@
         </p:blipFill>
         <p:spPr bwMode="auto">
           <a:xfrm>
-            <a:off x="3323491" y="5554172"/>
+            <a:off x="3227927" y="5594526"/>
             <a:ext cx="562709" cy="562709"/>
           </a:xfrm>
           <a:prstGeom prst="rect">
@@ -6816,6 +6820,283 @@
               <a:t>100</a:t>
             </a:r>
             <a:endParaRPr lang="de-DE" sz="1200" dirty="0"/>
+          </a:p>
+        </p:txBody>
+      </p:sp>
+      <p:sp>
+        <p:nvSpPr>
+          <p:cNvPr id="6" name="Freihandform 5"/>
+          <p:cNvSpPr/>
+          <p:nvPr/>
+        </p:nvSpPr>
+        <p:spPr>
+          <a:xfrm>
+            <a:off x="2294791" y="5865259"/>
+            <a:ext cx="562709" cy="250156"/>
+          </a:xfrm>
+          <a:custGeom>
+            <a:avLst/>
+            <a:gdLst>
+              <a:gd name="connsiteX0" fmla="*/ 131885 w 492369"/>
+              <a:gd name="connsiteY0" fmla="*/ 10686 h 160155"/>
+              <a:gd name="connsiteX1" fmla="*/ 184639 w 492369"/>
+              <a:gd name="connsiteY1" fmla="*/ 63440 h 160155"/>
+              <a:gd name="connsiteX2" fmla="*/ 237392 w 492369"/>
+              <a:gd name="connsiteY2" fmla="*/ 81024 h 160155"/>
+              <a:gd name="connsiteX3" fmla="*/ 263769 w 492369"/>
+              <a:gd name="connsiteY3" fmla="*/ 98609 h 160155"/>
+              <a:gd name="connsiteX4" fmla="*/ 290146 w 492369"/>
+              <a:gd name="connsiteY4" fmla="*/ 107401 h 160155"/>
+              <a:gd name="connsiteX5" fmla="*/ 360485 w 492369"/>
+              <a:gd name="connsiteY5" fmla="*/ 133778 h 160155"/>
+              <a:gd name="connsiteX6" fmla="*/ 448408 w 492369"/>
+              <a:gd name="connsiteY6" fmla="*/ 124986 h 160155"/>
+              <a:gd name="connsiteX7" fmla="*/ 457200 w 492369"/>
+              <a:gd name="connsiteY7" fmla="*/ 98609 h 160155"/>
+              <a:gd name="connsiteX8" fmla="*/ 492369 w 492369"/>
+              <a:gd name="connsiteY8" fmla="*/ 45855 h 160155"/>
+              <a:gd name="connsiteX9" fmla="*/ 483577 w 492369"/>
+              <a:gd name="connsiteY9" fmla="*/ 1893 h 160155"/>
+              <a:gd name="connsiteX10" fmla="*/ 369277 w 492369"/>
+              <a:gd name="connsiteY10" fmla="*/ 19478 h 160155"/>
+              <a:gd name="connsiteX11" fmla="*/ 316523 w 492369"/>
+              <a:gd name="connsiteY11" fmla="*/ 54647 h 160155"/>
+              <a:gd name="connsiteX12" fmla="*/ 290146 w 492369"/>
+              <a:gd name="connsiteY12" fmla="*/ 72232 h 160155"/>
+              <a:gd name="connsiteX13" fmla="*/ 263769 w 492369"/>
+              <a:gd name="connsiteY13" fmla="*/ 81024 h 160155"/>
+              <a:gd name="connsiteX14" fmla="*/ 237392 w 492369"/>
+              <a:gd name="connsiteY14" fmla="*/ 98609 h 160155"/>
+              <a:gd name="connsiteX15" fmla="*/ 211016 w 492369"/>
+              <a:gd name="connsiteY15" fmla="*/ 107401 h 160155"/>
+              <a:gd name="connsiteX16" fmla="*/ 158262 w 492369"/>
+              <a:gd name="connsiteY16" fmla="*/ 142570 h 160155"/>
+              <a:gd name="connsiteX17" fmla="*/ 105508 w 492369"/>
+              <a:gd name="connsiteY17" fmla="*/ 160155 h 160155"/>
+              <a:gd name="connsiteX18" fmla="*/ 35169 w 492369"/>
+              <a:gd name="connsiteY18" fmla="*/ 151363 h 160155"/>
+              <a:gd name="connsiteX19" fmla="*/ 0 w 492369"/>
+              <a:gd name="connsiteY19" fmla="*/ 89817 h 160155"/>
+              <a:gd name="connsiteX20" fmla="*/ 8792 w 492369"/>
+              <a:gd name="connsiteY20" fmla="*/ 28270 h 160155"/>
+              <a:gd name="connsiteX21" fmla="*/ 131885 w 492369"/>
+              <a:gd name="connsiteY21" fmla="*/ 19478 h 160155"/>
+              <a:gd name="connsiteX22" fmla="*/ 131885 w 492369"/>
+              <a:gd name="connsiteY22" fmla="*/ 10686 h 160155"/>
+            </a:gdLst>
+            <a:ahLst/>
+            <a:cxnLst>
+              <a:cxn ang="0">
+                <a:pos x="connsiteX0" y="connsiteY0"/>
+              </a:cxn>
+              <a:cxn ang="0">
+                <a:pos x="connsiteX1" y="connsiteY1"/>
+              </a:cxn>
+              <a:cxn ang="0">
+                <a:pos x="connsiteX2" y="connsiteY2"/>
+              </a:cxn>
+              <a:cxn ang="0">
+                <a:pos x="connsiteX3" y="connsiteY3"/>
+              </a:cxn>
+              <a:cxn ang="0">
+                <a:pos x="connsiteX4" y="connsiteY4"/>
+              </a:cxn>
+              <a:cxn ang="0">
+                <a:pos x="connsiteX5" y="connsiteY5"/>
+              </a:cxn>
+              <a:cxn ang="0">
+                <a:pos x="connsiteX6" y="connsiteY6"/>
+              </a:cxn>
+              <a:cxn ang="0">
+                <a:pos x="connsiteX7" y="connsiteY7"/>
+              </a:cxn>
+              <a:cxn ang="0">
+                <a:pos x="connsiteX8" y="connsiteY8"/>
+              </a:cxn>
+              <a:cxn ang="0">
+                <a:pos x="connsiteX9" y="connsiteY9"/>
+              </a:cxn>
+              <a:cxn ang="0">
+                <a:pos x="connsiteX10" y="connsiteY10"/>
+              </a:cxn>
+              <a:cxn ang="0">
+                <a:pos x="connsiteX11" y="connsiteY11"/>
+              </a:cxn>
+              <a:cxn ang="0">
+                <a:pos x="connsiteX12" y="connsiteY12"/>
+              </a:cxn>
+              <a:cxn ang="0">
+                <a:pos x="connsiteX13" y="connsiteY13"/>
+              </a:cxn>
+              <a:cxn ang="0">
+                <a:pos x="connsiteX14" y="connsiteY14"/>
+              </a:cxn>
+              <a:cxn ang="0">
+                <a:pos x="connsiteX15" y="connsiteY15"/>
+              </a:cxn>
+              <a:cxn ang="0">
+                <a:pos x="connsiteX16" y="connsiteY16"/>
+              </a:cxn>
+              <a:cxn ang="0">
+                <a:pos x="connsiteX17" y="connsiteY17"/>
+              </a:cxn>
+              <a:cxn ang="0">
+                <a:pos x="connsiteX18" y="connsiteY18"/>
+              </a:cxn>
+              <a:cxn ang="0">
+                <a:pos x="connsiteX19" y="connsiteY19"/>
+              </a:cxn>
+              <a:cxn ang="0">
+                <a:pos x="connsiteX20" y="connsiteY20"/>
+              </a:cxn>
+              <a:cxn ang="0">
+                <a:pos x="connsiteX21" y="connsiteY21"/>
+              </a:cxn>
+              <a:cxn ang="0">
+                <a:pos x="connsiteX22" y="connsiteY22"/>
+              </a:cxn>
+            </a:cxnLst>
+            <a:rect l="l" t="t" r="r" b="b"/>
+            <a:pathLst>
+              <a:path w="492369" h="160155">
+                <a:moveTo>
+                  <a:pt x="131885" y="10686"/>
+                </a:moveTo>
+                <a:cubicBezTo>
+                  <a:pt x="149470" y="28271"/>
+                  <a:pt x="163947" y="49645"/>
+                  <a:pt x="184639" y="63440"/>
+                </a:cubicBezTo>
+                <a:cubicBezTo>
+                  <a:pt x="200061" y="73722"/>
+                  <a:pt x="220454" y="73496"/>
+                  <a:pt x="237392" y="81024"/>
+                </a:cubicBezTo>
+                <a:cubicBezTo>
+                  <a:pt x="247048" y="85316"/>
+                  <a:pt x="254317" y="93883"/>
+                  <a:pt x="263769" y="98609"/>
+                </a:cubicBezTo>
+                <a:cubicBezTo>
+                  <a:pt x="272058" y="102754"/>
+                  <a:pt x="281627" y="103750"/>
+                  <a:pt x="290146" y="107401"/>
+                </a:cubicBezTo>
+                <a:cubicBezTo>
+                  <a:pt x="354516" y="134988"/>
+                  <a:pt x="295644" y="117568"/>
+                  <a:pt x="360485" y="133778"/>
+                </a:cubicBezTo>
+                <a:cubicBezTo>
+                  <a:pt x="389793" y="130847"/>
+                  <a:pt x="420727" y="135052"/>
+                  <a:pt x="448408" y="124986"/>
+                </a:cubicBezTo>
+                <a:cubicBezTo>
+                  <a:pt x="457118" y="121819"/>
+                  <a:pt x="452699" y="106711"/>
+                  <a:pt x="457200" y="98609"/>
+                </a:cubicBezTo>
+                <a:cubicBezTo>
+                  <a:pt x="467463" y="80134"/>
+                  <a:pt x="492369" y="45855"/>
+                  <a:pt x="492369" y="45855"/>
+                </a:cubicBezTo>
+                <a:cubicBezTo>
+                  <a:pt x="489438" y="31201"/>
+                  <a:pt x="497452" y="7443"/>
+                  <a:pt x="483577" y="1893"/>
+                </a:cubicBezTo>
+                <a:cubicBezTo>
+                  <a:pt x="464104" y="-5896"/>
+                  <a:pt x="397561" y="12407"/>
+                  <a:pt x="369277" y="19478"/>
+                </a:cubicBezTo>
+                <a:lnTo>
+                  <a:pt x="316523" y="54647"/>
+                </a:lnTo>
+                <a:cubicBezTo>
+                  <a:pt x="307731" y="60509"/>
+                  <a:pt x="300171" y="68890"/>
+                  <a:pt x="290146" y="72232"/>
+                </a:cubicBezTo>
+                <a:lnTo>
+                  <a:pt x="263769" y="81024"/>
+                </a:lnTo>
+                <a:cubicBezTo>
+                  <a:pt x="254977" y="86886"/>
+                  <a:pt x="246843" y="93883"/>
+                  <a:pt x="237392" y="98609"/>
+                </a:cubicBezTo>
+                <a:cubicBezTo>
+                  <a:pt x="229103" y="102754"/>
+                  <a:pt x="219117" y="102900"/>
+                  <a:pt x="211016" y="107401"/>
+                </a:cubicBezTo>
+                <a:cubicBezTo>
+                  <a:pt x="192541" y="117665"/>
+                  <a:pt x="178312" y="135887"/>
+                  <a:pt x="158262" y="142570"/>
+                </a:cubicBezTo>
+                <a:lnTo>
+                  <a:pt x="105508" y="160155"/>
+                </a:lnTo>
+                <a:cubicBezTo>
+                  <a:pt x="82062" y="157224"/>
+                  <a:pt x="57108" y="160138"/>
+                  <a:pt x="35169" y="151363"/>
+                </a:cubicBezTo>
+                <a:cubicBezTo>
+                  <a:pt x="27404" y="148257"/>
+                  <a:pt x="1115" y="92046"/>
+                  <a:pt x="0" y="89817"/>
+                </a:cubicBezTo>
+                <a:cubicBezTo>
+                  <a:pt x="2931" y="69301"/>
+                  <a:pt x="-1272" y="46386"/>
+                  <a:pt x="8792" y="28270"/>
+                </a:cubicBezTo>
+                <a:cubicBezTo>
+                  <a:pt x="28217" y="-6694"/>
+                  <a:pt x="125504" y="18840"/>
+                  <a:pt x="131885" y="19478"/>
+                </a:cubicBezTo>
+                <a:lnTo>
+                  <a:pt x="131885" y="10686"/>
+                </a:lnTo>
+                <a:close/>
+              </a:path>
+            </a:pathLst>
+          </a:custGeom>
+          <a:solidFill>
+            <a:schemeClr val="bg1"/>
+          </a:solidFill>
+          <a:ln>
+            <a:solidFill>
+              <a:srgbClr val="05164C"/>
+            </a:solidFill>
+          </a:ln>
+        </p:spPr>
+        <p:style>
+          <a:lnRef idx="2">
+            <a:schemeClr val="accent1"/>
+          </a:lnRef>
+          <a:fillRef idx="1">
+            <a:schemeClr val="lt1"/>
+          </a:fillRef>
+          <a:effectRef idx="0">
+            <a:schemeClr val="accent1"/>
+          </a:effectRef>
+          <a:fontRef idx="minor">
+            <a:schemeClr val="dk1"/>
+          </a:fontRef>
+        </p:style>
+        <p:txBody>
+          <a:bodyPr rtlCol="0" anchor="ctr"/>
+          <a:lstStyle/>
+          <a:p>
+            <a:pPr algn="ctr"/>
+            <a:endParaRPr lang="de-DE"/>
           </a:p>
         </p:txBody>
       </p:sp>
